--- a/document/물방개_제안서.pptx
+++ b/document/물방개_제안서.pptx
@@ -2,8 +2,8 @@
 <file path=ppt/presentation.xml><?xml version="1.0" encoding="utf-8"?>
 <p:presentation xmlns:a="http://schemas.openxmlformats.org/drawingml/2006/main" xmlns:r="http://schemas.openxmlformats.org/officeDocument/2006/relationships" xmlns:p="http://schemas.openxmlformats.org/presentationml/2006/main" xmlns:p14="http://schemas.microsoft.com/office/powerpoint/2010/main" saveSubsetFonts="1">
   <p:sldMasterIdLst>
-    <p:sldMasterId id="2147485317" r:id="rId7"/>
-    <p:sldMasterId id="2147485318" r:id="rId9"/>
+    <p:sldMasterId id="2147485345" r:id="rId7"/>
+    <p:sldMasterId id="2147485346" r:id="rId9"/>
   </p:sldMasterIdLst>
   <p:sldIdLst>
     <p:sldId id="337" r:id="rId11"/>
@@ -11,10 +11,11 @@
     <p:sldId id="320" r:id="rId13"/>
     <p:sldId id="314" r:id="rId14"/>
     <p:sldId id="338" r:id="rId15"/>
-    <p:sldId id="323" r:id="rId16"/>
-    <p:sldId id="339" r:id="rId17"/>
-    <p:sldId id="340" r:id="rId18"/>
-    <p:sldId id="321" r:id="rId19"/>
+    <p:sldId id="341" r:id="rId16"/>
+    <p:sldId id="323" r:id="rId17"/>
+    <p:sldId id="339" r:id="rId18"/>
+    <p:sldId id="340" r:id="rId19"/>
+    <p:sldId id="321" r:id="rId20"/>
   </p:sldIdLst>
   <p:sldSz cx="9144000" cy="6858000"/>
   <p:notesSz cx="6858000" cy="9144000"/>
@@ -146,37 +147,32 @@
   <p:extLst>
     <p:ext uri="{EFAFB233-063F-42B5-8137-9DF3F51BA10A}">
       <p15:sldGuideLst xmlns:p15="http://schemas.microsoft.com/office/powerpoint/2012/main">
-        <p15:guide id="1" orient="horz" pos="2839" userDrawn="0">
+        <p15:guide id="1" orient="horz" pos="2837" userDrawn="0">
           <p15:clr>
             <a:srgbClr val="A4A3A4"/>
           </p15:clr>
         </p15:guide>
-        <p15:guide id="2" pos="2879" userDrawn="0">
+        <p15:guide id="2" pos="2877" userDrawn="0">
           <p15:clr>
             <a:srgbClr val="A4A3A4"/>
           </p15:clr>
         </p15:guide>
-        <p15:guide id="3" pos="203" userDrawn="0">
+        <p15:guide id="3" pos="201" userDrawn="0">
           <p15:clr>
             <a:srgbClr val="A4A3A4"/>
           </p15:clr>
         </p15:guide>
-        <p15:guide id="4" pos="5555" userDrawn="0">
+        <p15:guide id="5" orient="horz" pos="1114" userDrawn="0">
           <p15:clr>
             <a:srgbClr val="A4A3A4"/>
           </p15:clr>
         </p15:guide>
-        <p15:guide id="5" orient="horz" pos="1116" userDrawn="0">
+        <p15:guide id="6" orient="horz" pos="3999" userDrawn="0">
           <p15:clr>
             <a:srgbClr val="A4A3A4"/>
           </p15:clr>
         </p15:guide>
-        <p15:guide id="6" orient="horz" pos="4001" userDrawn="0">
-          <p15:clr>
-            <a:srgbClr val="A4A3A4"/>
-          </p15:clr>
-        </p15:guide>
-        <p15:guide id="7" pos="430" userDrawn="1">
+        <p15:guide id="7" pos="428" userDrawn="1">
           <p15:clr>
             <a:srgbClr val="A4A3A4"/>
           </p15:clr>
@@ -27099,7 +27095,7 @@
           <p:spPr bwMode="auto">
             <a:xfrm>
               <a:off x="573405" y="5109845"/>
-              <a:ext cx="3822700" cy="276860"/>
+              <a:ext cx="3823335" cy="276860"/>
             </a:xfrm>
             <a:prstGeom prst="rect">
               <a:avLst/>
@@ -27134,7 +27130,7 @@
             </a:bodyPr>
             <a:lstStyle/>
             <a:p>
-              <a:pPr marL="0" indent="0" algn="l" fontAlgn="base" defTabSz="914400" eaLnBrk="0">
+              <a:pPr marL="0" indent="0" algn="l" fontAlgn="base" defTabSz="914400" eaLnBrk="0" latinLnBrk="0">
                 <a:lnSpc>
                   <a:spcPct val="100000"/>
                 </a:lnSpc>
@@ -27152,8 +27148,8 @@
                   <a:solidFill>
                     <a:schemeClr val="bg1"/>
                   </a:solidFill>
-                  <a:latin typeface="Arial" charset="0"/>
-                  <a:ea typeface="Arial" charset="0"/>
+                  <a:latin typeface="맑은 고딕" charset="0"/>
+                  <a:ea typeface="맑은 고딕" charset="0"/>
                 </a:rPr>
                 <a:t>조원: 안도혁, 최우석, 이우제, 정현용</a:t>
               </a:r>
@@ -27161,8 +27157,8 @@
                 <a:solidFill>
                   <a:schemeClr val="bg1"/>
                 </a:solidFill>
-                <a:latin typeface="Arial" charset="0"/>
-                <a:ea typeface="Arial" charset="0"/>
+                <a:latin typeface="맑은 고딕" charset="0"/>
+                <a:ea typeface="맑은 고딕" charset="0"/>
               </a:endParaRPr>
             </a:p>
           </p:txBody>
@@ -27299,8 +27295,8 @@
           </p:nvSpPr>
           <p:spPr bwMode="auto">
             <a:xfrm>
-              <a:off x="5196205" y="3336925"/>
-              <a:ext cx="439420" cy="480695"/>
+              <a:off x="5143500" y="3463925"/>
+              <a:ext cx="439420" cy="480060"/>
             </a:xfrm>
             <a:custGeom>
               <a:avLst/>
@@ -27632,10 +27628,10 @@
           </p:nvGrpSpPr>
           <p:grpSpPr>
             <a:xfrm>
-              <a:off x="4954270" y="3676015"/>
-              <a:ext cx="406400" cy="177800"/>
-              <a:chOff x="4954270" y="3676015"/>
-              <a:chExt cx="406400" cy="177800"/>
+              <a:off x="5110480" y="3299460"/>
+              <a:ext cx="406400" cy="177165"/>
+              <a:chOff x="5110480" y="3299460"/>
+              <a:chExt cx="406400" cy="177165"/>
             </a:xfrm>
           </p:grpSpPr>
           <p:sp>
@@ -27648,8 +27644,8 @@
             </p:nvSpPr>
             <p:spPr bwMode="auto">
               <a:xfrm>
-                <a:off x="5066030" y="3583940"/>
-                <a:ext cx="72390" cy="0"/>
+                <a:off x="5110480" y="3476625"/>
+                <a:ext cx="73025" cy="635"/>
               </a:xfrm>
               <a:custGeom>
                 <a:avLst/>
@@ -27735,8 +27731,8 @@
             </p:nvSpPr>
             <p:spPr bwMode="auto">
               <a:xfrm>
-                <a:off x="5119370" y="3768090"/>
-                <a:ext cx="0" cy="69850"/>
+                <a:off x="5313680" y="3300730"/>
+                <a:ext cx="635" cy="70485"/>
               </a:xfrm>
               <a:custGeom>
                 <a:avLst/>
@@ -27822,8 +27818,8 @@
             </p:nvSpPr>
             <p:spPr bwMode="auto">
               <a:xfrm>
-                <a:off x="5050790" y="3668395"/>
-                <a:ext cx="52070" cy="50800"/>
+                <a:off x="5180330" y="3354705"/>
+                <a:ext cx="51435" cy="50800"/>
               </a:xfrm>
               <a:custGeom>
                 <a:avLst/>
@@ -27917,7 +27913,7 @@
             </p:nvSpPr>
             <p:spPr bwMode="auto">
               <a:xfrm>
-                <a:off x="5301615" y="3819525"/>
+                <a:off x="5443220" y="3477260"/>
                 <a:ext cx="72390" cy="635"/>
               </a:xfrm>
               <a:custGeom>
@@ -28004,8 +28000,8 @@
             </p:nvSpPr>
             <p:spPr bwMode="auto">
               <a:xfrm>
-                <a:off x="5200650" y="3817620"/>
-                <a:ext cx="51435" cy="50165"/>
+                <a:off x="5391150" y="3357245"/>
+                <a:ext cx="50800" cy="50165"/>
               </a:xfrm>
               <a:custGeom>
                 <a:avLst/>
@@ -28104,6 +28100,1106 @@
   <mc:AlternateContent xmlns:mc="http://schemas.openxmlformats.org/markup-compatibility/2006">
     <mc:Choice xmlns:p14="http://schemas.microsoft.com/office/powerpoint/2010/main" Requires="p14">
       <p:transition spd="slow" p14:dur="750">
+        <p:fade/>
+      </p:transition>
+    </mc:Choice>
+    <mc:Fallback>
+      <p:transition spd="slow">
+        <p:fade/>
+      </p:transition>
+    </mc:Fallback>
+  </mc:AlternateContent>
+  <p:timing>
+    <p:tnLst>
+      <p:par>
+        <p:cTn id="1" dur="indefinite" restart="never" nodeType="tmRoot"/>
+      </p:par>
+    </p:tnLst>
+  </p:timing>
+</p:sld>
+</file>
+
+<file path=ppt/slides/slide10.xml><?xml version="1.0" encoding="utf-8"?>
+<p:sld xmlns:a="http://schemas.openxmlformats.org/drawingml/2006/main" xmlns:r="http://schemas.openxmlformats.org/officeDocument/2006/relationships" xmlns:p="http://schemas.openxmlformats.org/presentationml/2006/main" xmlns:p14="http://schemas.microsoft.com/office/powerpoint/2010/main">
+  <p:cSld>
+    <p:spTree>
+      <p:nvGrpSpPr>
+        <p:cNvPr id="1" name=""/>
+        <p:cNvGrpSpPr/>
+        <p:nvPr/>
+      </p:nvGrpSpPr>
+      <p:grpSpPr>
+        <a:xfrm>
+          <a:off x="0" y="0"/>
+          <a:ext cx="0" cy="0"/>
+          <a:chOff x="0" y="0"/>
+          <a:chExt cx="0" cy="0"/>
+        </a:xfrm>
+      </p:grpSpPr>
+      <p:grpSp>
+        <p:nvGrpSpPr>
+          <p:cNvPr id="7" name="그룹 6"/>
+          <p:cNvGrpSpPr/>
+          <p:nvPr/>
+        </p:nvGrpSpPr>
+        <p:grpSpPr>
+          <a:xfrm>
+            <a:off x="548640" y="3691890"/>
+            <a:ext cx="6216650" cy="1489075"/>
+            <a:chOff x="548640" y="3691890"/>
+            <a:chExt cx="6216650" cy="1489075"/>
+          </a:xfrm>
+        </p:grpSpPr>
+        <p:sp>
+          <p:nvSpPr>
+            <p:cNvPr id="9" name="TextBox 5"/>
+            <p:cNvSpPr txBox="1">
+              <a:spLocks/>
+            </p:cNvSpPr>
+            <p:nvPr/>
+          </p:nvSpPr>
+          <p:spPr bwMode="auto">
+            <a:xfrm rot="0">
+              <a:off x="548640" y="3691890"/>
+              <a:ext cx="6217285" cy="1016000"/>
+            </a:xfrm>
+            <a:prstGeom prst="rect"/>
+            <a:noFill/>
+            <a:ln w="0">
+              <a:noFill/>
+              <a:prstDash/>
+            </a:ln>
+          </p:spPr>
+          <p:txBody>
+            <a:bodyPr wrap="square" lIns="91440" tIns="45720" rIns="91440" bIns="45720" numCol="1" vert="horz" anchor="t">
+              <a:spAutoFit/>
+            </a:bodyPr>
+            <a:lstStyle/>
+            <a:p>
+              <a:pPr marL="0" indent="0" algn="l" fontAlgn="base" defTabSz="914400">
+                <a:lnSpc>
+                  <a:spcPct val="100000"/>
+                </a:lnSpc>
+                <a:spcBef>
+                  <a:spcPts val="0"/>
+                </a:spcBef>
+                <a:spcAft>
+                  <a:spcPts val="0"/>
+                </a:spcAft>
+                <a:buFontTx/>
+                <a:buNone/>
+              </a:pPr>
+              <a:r>
+                <a:rPr lang="en-US" altLang="ko-KR" sz="6000" cap="none" spc="-150" dirty="0" smtClean="0" b="0">
+                  <a:solidFill>
+                    <a:srgbClr val="4591F2"/>
+                  </a:solidFill>
+                  <a:latin typeface="Arial Black" charset="0"/>
+                  <a:ea typeface="Arial Black" charset="0"/>
+                </a:rPr>
+                <a:t>THANK YOU</a:t>
+              </a:r>
+              <a:endParaRPr lang="ko-KR" altLang="en-US" sz="6000" cap="none" dirty="0" smtClean="0" b="0">
+                <a:solidFill>
+                  <a:srgbClr val="4591F2"/>
+                </a:solidFill>
+                <a:latin typeface="Arial Black" charset="0"/>
+                <a:ea typeface="Arial Black" charset="0"/>
+              </a:endParaRPr>
+            </a:p>
+          </p:txBody>
+        </p:sp>
+        <p:sp>
+          <p:nvSpPr>
+            <p:cNvPr id="10" name="제목 2"/>
+            <p:cNvSpPr txBox="1">
+              <a:spLocks/>
+            </p:cNvSpPr>
+            <p:nvPr/>
+          </p:nvSpPr>
+          <p:spPr bwMode="auto">
+            <a:xfrm rot="0">
+              <a:off x="548640" y="4811395"/>
+              <a:ext cx="5039360" cy="368935"/>
+            </a:xfrm>
+            <a:prstGeom prst="rect"/>
+            <a:noFill/>
+            <a:ln w="0">
+              <a:noFill/>
+              <a:prstDash/>
+            </a:ln>
+          </p:spPr>
+          <p:txBody>
+            <a:bodyPr wrap="square" lIns="91440" tIns="45720" rIns="91440" bIns="45720" numCol="1" vert="horz" anchor="ctr">
+              <a:spAutoFit/>
+            </a:bodyPr>
+            <a:lstStyle/>
+            <a:p>
+              <a:pPr marL="0" indent="0" algn="l" fontAlgn="base" defTabSz="914400" eaLnBrk="0">
+                <a:lnSpc>
+                  <a:spcPct val="100000"/>
+                </a:lnSpc>
+                <a:spcBef>
+                  <a:spcPts val="0"/>
+                </a:spcBef>
+                <a:spcAft>
+                  <a:spcPts val="0"/>
+                </a:spcAft>
+                <a:buFontTx/>
+                <a:buNone/>
+              </a:pPr>
+              <a:r>
+                <a:rPr lang="en-US" altLang="ko-KR" sz="1800" cap="none" dirty="0" smtClean="0" b="1">
+                  <a:solidFill>
+                    <a:schemeClr val="bg1"/>
+                  </a:solidFill>
+                  <a:latin typeface="맑은 고딕" charset="0"/>
+                  <a:ea typeface="맑은 고딕" charset="0"/>
+                </a:rPr>
+                <a:t>감사합니다!</a:t>
+              </a:r>
+              <a:endParaRPr lang="ko-KR" altLang="en-US" sz="1800" cap="none" dirty="0" smtClean="0" b="1">
+                <a:solidFill>
+                  <a:schemeClr val="bg1"/>
+                </a:solidFill>
+                <a:latin typeface="맑은 고딕" charset="0"/>
+                <a:ea typeface="맑은 고딕" charset="0"/>
+              </a:endParaRPr>
+            </a:p>
+          </p:txBody>
+        </p:sp>
+      </p:grpSp>
+      <p:grpSp>
+        <p:nvGrpSpPr>
+          <p:cNvPr id="13" name="그룹 12"/>
+          <p:cNvGrpSpPr/>
+          <p:nvPr/>
+        </p:nvGrpSpPr>
+        <p:grpSpPr>
+          <a:xfrm>
+            <a:off x="0" y="0"/>
+            <a:ext cx="323850" cy="6858000"/>
+            <a:chOff x="0" y="0"/>
+            <a:chExt cx="323850" cy="6858000"/>
+          </a:xfrm>
+        </p:grpSpPr>
+        <p:sp>
+          <p:nvSpPr>
+            <p:cNvPr id="14" name="직사각형 13"/>
+            <p:cNvSpPr/>
+            <p:nvPr/>
+          </p:nvSpPr>
+          <p:spPr>
+            <a:xfrm>
+              <a:off x="0" y="0"/>
+              <a:ext cx="323850" cy="6858000"/>
+            </a:xfrm>
+            <a:prstGeom prst="rect">
+              <a:avLst/>
+            </a:prstGeom>
+            <a:solidFill>
+              <a:srgbClr val="4591F2"/>
+            </a:solidFill>
+            <a:ln>
+              <a:noFill/>
+            </a:ln>
+          </p:spPr>
+          <p:style>
+            <a:lnRef idx="2">
+              <a:schemeClr val="accent1">
+                <a:shade val="50000"/>
+              </a:schemeClr>
+            </a:lnRef>
+            <a:fillRef idx="1">
+              <a:schemeClr val="accent1"/>
+            </a:fillRef>
+            <a:effectRef idx="0">
+              <a:schemeClr val="accent1"/>
+            </a:effectRef>
+            <a:fontRef idx="minor">
+              <a:schemeClr val="lt1"/>
+            </a:fontRef>
+          </p:style>
+          <p:txBody>
+            <a:bodyPr rtlCol="0" anchor="ctr"/>
+            <a:lstStyle/>
+            <a:p>
+              <a:pPr algn="ctr"/>
+              <a:endParaRPr lang="ko-KR" altLang="en-US"/>
+            </a:p>
+          </p:txBody>
+        </p:sp>
+        <p:sp>
+          <p:nvSpPr>
+            <p:cNvPr id="15" name="직사각형 14"/>
+            <p:cNvSpPr/>
+            <p:nvPr/>
+          </p:nvSpPr>
+          <p:spPr>
+            <a:xfrm>
+              <a:off x="0" y="3876675"/>
+              <a:ext cx="323850" cy="1534160"/>
+            </a:xfrm>
+            <a:prstGeom prst="rect">
+              <a:avLst/>
+            </a:prstGeom>
+            <a:solidFill>
+              <a:srgbClr val="7DD5C9"/>
+            </a:solidFill>
+            <a:ln>
+              <a:noFill/>
+            </a:ln>
+          </p:spPr>
+          <p:style>
+            <a:lnRef idx="2">
+              <a:schemeClr val="accent1">
+                <a:shade val="50000"/>
+              </a:schemeClr>
+            </a:lnRef>
+            <a:fillRef idx="1">
+              <a:schemeClr val="accent1"/>
+            </a:fillRef>
+            <a:effectRef idx="0">
+              <a:schemeClr val="accent1"/>
+            </a:effectRef>
+            <a:fontRef idx="minor">
+              <a:schemeClr val="lt1"/>
+            </a:fontRef>
+          </p:style>
+          <p:txBody>
+            <a:bodyPr rtlCol="0" anchor="ctr"/>
+            <a:lstStyle/>
+            <a:p>
+              <a:pPr algn="ctr"/>
+              <a:endParaRPr lang="ko-KR" altLang="en-US"/>
+            </a:p>
+          </p:txBody>
+        </p:sp>
+      </p:grpSp>
+      <p:grpSp>
+        <p:nvGrpSpPr>
+          <p:cNvPr id="12" name="그룹 11"/>
+          <p:cNvGrpSpPr/>
+          <p:nvPr/>
+        </p:nvGrpSpPr>
+        <p:grpSpPr>
+          <a:xfrm rot="13500000" flipH="1">
+            <a:off x="5695950" y="3297555"/>
+            <a:ext cx="474345" cy="646430"/>
+            <a:chOff x="5695950" y="3297555"/>
+            <a:chExt cx="474345" cy="646430"/>
+          </a:xfrm>
+        </p:grpSpPr>
+        <p:sp>
+          <p:nvSpPr>
+            <p:cNvPr id="16" name="Freeform 5"/>
+            <p:cNvSpPr>
+              <a:spLocks/>
+            </p:cNvSpPr>
+            <p:nvPr/>
+          </p:nvSpPr>
+          <p:spPr bwMode="auto">
+            <a:xfrm>
+              <a:off x="5729605" y="3462020"/>
+              <a:ext cx="439420" cy="480060"/>
+            </a:xfrm>
+            <a:custGeom>
+              <a:avLst/>
+              <a:gdLst>
+                <a:gd name="T0" fmla="*/ 1620 w 1620"/>
+                <a:gd name="T1" fmla="*/ 975 h 1774"/>
+                <a:gd name="T2" fmla="*/ 1484 w 1620"/>
+                <a:gd name="T3" fmla="*/ 844 h 1774"/>
+                <a:gd name="T4" fmla="*/ 1469 w 1620"/>
+                <a:gd name="T5" fmla="*/ 844 h 1774"/>
+                <a:gd name="T6" fmla="*/ 1335 w 1620"/>
+                <a:gd name="T7" fmla="*/ 955 h 1774"/>
+                <a:gd name="T8" fmla="*/ 1335 w 1620"/>
+                <a:gd name="T9" fmla="*/ 835 h 1774"/>
+                <a:gd name="T10" fmla="*/ 1199 w 1620"/>
+                <a:gd name="T11" fmla="*/ 703 h 1774"/>
+                <a:gd name="T12" fmla="*/ 1184 w 1620"/>
+                <a:gd name="T13" fmla="*/ 703 h 1774"/>
+                <a:gd name="T14" fmla="*/ 1050 w 1620"/>
+                <a:gd name="T15" fmla="*/ 815 h 1774"/>
+                <a:gd name="T16" fmla="*/ 1050 w 1620"/>
+                <a:gd name="T17" fmla="*/ 690 h 1774"/>
+                <a:gd name="T18" fmla="*/ 914 w 1620"/>
+                <a:gd name="T19" fmla="*/ 558 h 1774"/>
+                <a:gd name="T20" fmla="*/ 899 w 1620"/>
+                <a:gd name="T21" fmla="*/ 558 h 1774"/>
+                <a:gd name="T22" fmla="*/ 765 w 1620"/>
+                <a:gd name="T23" fmla="*/ 670 h 1774"/>
+                <a:gd name="T24" fmla="*/ 765 w 1620"/>
+                <a:gd name="T25" fmla="*/ 132 h 1774"/>
+                <a:gd name="T26" fmla="*/ 629 w 1620"/>
+                <a:gd name="T27" fmla="*/ 0 h 1774"/>
+                <a:gd name="T28" fmla="*/ 614 w 1620"/>
+                <a:gd name="T29" fmla="*/ 0 h 1774"/>
+                <a:gd name="T30" fmla="*/ 478 w 1620"/>
+                <a:gd name="T31" fmla="*/ 132 h 1774"/>
+                <a:gd name="T32" fmla="*/ 478 w 1620"/>
+                <a:gd name="T33" fmla="*/ 1298 h 1774"/>
+                <a:gd name="T34" fmla="*/ 255 w 1620"/>
+                <a:gd name="T35" fmla="*/ 1082 h 1774"/>
+                <a:gd name="T36" fmla="*/ 63 w 1620"/>
+                <a:gd name="T37" fmla="*/ 1082 h 1774"/>
+                <a:gd name="T38" fmla="*/ 53 w 1620"/>
+                <a:gd name="T39" fmla="*/ 1092 h 1774"/>
+                <a:gd name="T40" fmla="*/ 53 w 1620"/>
+                <a:gd name="T41" fmla="*/ 1279 h 1774"/>
+                <a:gd name="T42" fmla="*/ 470 w 1620"/>
+                <a:gd name="T43" fmla="*/ 1737 h 1774"/>
+                <a:gd name="T44" fmla="*/ 552 w 1620"/>
+                <a:gd name="T45" fmla="*/ 1774 h 1774"/>
+                <a:gd name="T46" fmla="*/ 1511 w 1620"/>
+                <a:gd name="T47" fmla="*/ 1774 h 1774"/>
+                <a:gd name="T48" fmla="*/ 1618 w 1620"/>
+                <a:gd name="T49" fmla="*/ 1671 h 1774"/>
+                <a:gd name="T50" fmla="*/ 1618 w 1620"/>
+                <a:gd name="T51" fmla="*/ 1668 h 1774"/>
+                <a:gd name="T52" fmla="*/ 1620 w 1620"/>
+                <a:gd name="T53" fmla="*/ 1668 h 1774"/>
+                <a:gd name="T54" fmla="*/ 1620 w 1620"/>
+                <a:gd name="T55" fmla="*/ 975 h 1774"/>
+              </a:gdLst>
+              <a:ahLst/>
+              <a:cxnLst>
+                <a:cxn ang="0">
+                  <a:pos x="T0" y="T1"/>
+                </a:cxn>
+                <a:cxn ang="0">
+                  <a:pos x="T2" y="T3"/>
+                </a:cxn>
+                <a:cxn ang="0">
+                  <a:pos x="T4" y="T5"/>
+                </a:cxn>
+                <a:cxn ang="0">
+                  <a:pos x="T6" y="T7"/>
+                </a:cxn>
+                <a:cxn ang="0">
+                  <a:pos x="T8" y="T9"/>
+                </a:cxn>
+                <a:cxn ang="0">
+                  <a:pos x="T10" y="T11"/>
+                </a:cxn>
+                <a:cxn ang="0">
+                  <a:pos x="T12" y="T13"/>
+                </a:cxn>
+                <a:cxn ang="0">
+                  <a:pos x="T14" y="T15"/>
+                </a:cxn>
+                <a:cxn ang="0">
+                  <a:pos x="T16" y="T17"/>
+                </a:cxn>
+                <a:cxn ang="0">
+                  <a:pos x="T18" y="T19"/>
+                </a:cxn>
+                <a:cxn ang="0">
+                  <a:pos x="T20" y="T21"/>
+                </a:cxn>
+                <a:cxn ang="0">
+                  <a:pos x="T22" y="T23"/>
+                </a:cxn>
+                <a:cxn ang="0">
+                  <a:pos x="T24" y="T25"/>
+                </a:cxn>
+                <a:cxn ang="0">
+                  <a:pos x="T26" y="T27"/>
+                </a:cxn>
+                <a:cxn ang="0">
+                  <a:pos x="T28" y="T29"/>
+                </a:cxn>
+                <a:cxn ang="0">
+                  <a:pos x="T30" y="T31"/>
+                </a:cxn>
+                <a:cxn ang="0">
+                  <a:pos x="T32" y="T33"/>
+                </a:cxn>
+                <a:cxn ang="0">
+                  <a:pos x="T34" y="T35"/>
+                </a:cxn>
+                <a:cxn ang="0">
+                  <a:pos x="T36" y="T37"/>
+                </a:cxn>
+                <a:cxn ang="0">
+                  <a:pos x="T38" y="T39"/>
+                </a:cxn>
+                <a:cxn ang="0">
+                  <a:pos x="T40" y="T41"/>
+                </a:cxn>
+                <a:cxn ang="0">
+                  <a:pos x="T42" y="T43"/>
+                </a:cxn>
+                <a:cxn ang="0">
+                  <a:pos x="T44" y="T45"/>
+                </a:cxn>
+                <a:cxn ang="0">
+                  <a:pos x="T46" y="T47"/>
+                </a:cxn>
+                <a:cxn ang="0">
+                  <a:pos x="T48" y="T49"/>
+                </a:cxn>
+                <a:cxn ang="0">
+                  <a:pos x="T50" y="T51"/>
+                </a:cxn>
+                <a:cxn ang="0">
+                  <a:pos x="T52" y="T53"/>
+                </a:cxn>
+                <a:cxn ang="0">
+                  <a:pos x="T54" y="T55"/>
+                </a:cxn>
+              </a:cxnLst>
+              <a:rect l="0" t="0" r="r" b="b"/>
+              <a:pathLst>
+                <a:path w="1620" h="1774">
+                  <a:moveTo>
+                    <a:pt x="1620" y="975"/>
+                  </a:moveTo>
+                  <a:cubicBezTo>
+                    <a:pt x="1620" y="903"/>
+                    <a:pt x="1559" y="844"/>
+                    <a:pt x="1484" y="844"/>
+                  </a:cubicBezTo>
+                  <a:cubicBezTo>
+                    <a:pt x="1469" y="844"/>
+                    <a:pt x="1469" y="844"/>
+                    <a:pt x="1469" y="844"/>
+                  </a:cubicBezTo>
+                  <a:cubicBezTo>
+                    <a:pt x="1401" y="844"/>
+                    <a:pt x="1345" y="892"/>
+                    <a:pt x="1335" y="955"/>
+                  </a:cubicBezTo>
+                  <a:cubicBezTo>
+                    <a:pt x="1335" y="835"/>
+                    <a:pt x="1335" y="835"/>
+                    <a:pt x="1335" y="835"/>
+                  </a:cubicBezTo>
+                  <a:cubicBezTo>
+                    <a:pt x="1335" y="762"/>
+                    <a:pt x="1274" y="703"/>
+                    <a:pt x="1199" y="703"/>
+                  </a:cubicBezTo>
+                  <a:cubicBezTo>
+                    <a:pt x="1184" y="703"/>
+                    <a:pt x="1184" y="703"/>
+                    <a:pt x="1184" y="703"/>
+                  </a:cubicBezTo>
+                  <a:cubicBezTo>
+                    <a:pt x="1116" y="703"/>
+                    <a:pt x="1060" y="751"/>
+                    <a:pt x="1050" y="815"/>
+                  </a:cubicBezTo>
+                  <a:cubicBezTo>
+                    <a:pt x="1050" y="690"/>
+                    <a:pt x="1050" y="690"/>
+                    <a:pt x="1050" y="690"/>
+                  </a:cubicBezTo>
+                  <a:cubicBezTo>
+                    <a:pt x="1050" y="617"/>
+                    <a:pt x="989" y="558"/>
+                    <a:pt x="914" y="558"/>
+                  </a:cubicBezTo>
+                  <a:cubicBezTo>
+                    <a:pt x="899" y="558"/>
+                    <a:pt x="899" y="558"/>
+                    <a:pt x="899" y="558"/>
+                  </a:cubicBezTo>
+                  <a:cubicBezTo>
+                    <a:pt x="831" y="558"/>
+                    <a:pt x="775" y="607"/>
+                    <a:pt x="765" y="670"/>
+                  </a:cubicBezTo>
+                  <a:cubicBezTo>
+                    <a:pt x="765" y="132"/>
+                    <a:pt x="765" y="132"/>
+                    <a:pt x="765" y="132"/>
+                  </a:cubicBezTo>
+                  <a:cubicBezTo>
+                    <a:pt x="765" y="59"/>
+                    <a:pt x="704" y="0"/>
+                    <a:pt x="629" y="0"/>
+                  </a:cubicBezTo>
+                  <a:cubicBezTo>
+                    <a:pt x="614" y="0"/>
+                    <a:pt x="614" y="0"/>
+                    <a:pt x="614" y="0"/>
+                  </a:cubicBezTo>
+                  <a:cubicBezTo>
+                    <a:pt x="539" y="0"/>
+                    <a:pt x="478" y="59"/>
+                    <a:pt x="478" y="132"/>
+                  </a:cubicBezTo>
+                  <a:cubicBezTo>
+                    <a:pt x="478" y="1298"/>
+                    <a:pt x="478" y="1298"/>
+                    <a:pt x="478" y="1298"/>
+                  </a:cubicBezTo>
+                  <a:cubicBezTo>
+                    <a:pt x="255" y="1082"/>
+                    <a:pt x="255" y="1082"/>
+                    <a:pt x="255" y="1082"/>
+                  </a:cubicBezTo>
+                  <a:cubicBezTo>
+                    <a:pt x="202" y="1030"/>
+                    <a:pt x="116" y="1030"/>
+                    <a:pt x="63" y="1082"/>
+                  </a:cubicBezTo>
+                  <a:cubicBezTo>
+                    <a:pt x="53" y="1092"/>
+                    <a:pt x="53" y="1092"/>
+                    <a:pt x="53" y="1092"/>
+                  </a:cubicBezTo>
+                  <a:cubicBezTo>
+                    <a:pt x="0" y="1144"/>
+                    <a:pt x="0" y="1227"/>
+                    <a:pt x="53" y="1279"/>
+                  </a:cubicBezTo>
+                  <a:cubicBezTo>
+                    <a:pt x="470" y="1737"/>
+                    <a:pt x="470" y="1737"/>
+                    <a:pt x="470" y="1737"/>
+                  </a:cubicBezTo>
+                  <a:cubicBezTo>
+                    <a:pt x="490" y="1760"/>
+                    <a:pt x="519" y="1774"/>
+                    <a:pt x="552" y="1774"/>
+                  </a:cubicBezTo>
+                  <a:cubicBezTo>
+                    <a:pt x="1511" y="1774"/>
+                    <a:pt x="1511" y="1774"/>
+                    <a:pt x="1511" y="1774"/>
+                  </a:cubicBezTo>
+                  <a:cubicBezTo>
+                    <a:pt x="1570" y="1774"/>
+                    <a:pt x="1618" y="1728"/>
+                    <a:pt x="1618" y="1671"/>
+                  </a:cubicBezTo>
+                  <a:cubicBezTo>
+                    <a:pt x="1618" y="1670"/>
+                    <a:pt x="1618" y="1669"/>
+                    <a:pt x="1618" y="1668"/>
+                  </a:cubicBezTo>
+                  <a:cubicBezTo>
+                    <a:pt x="1620" y="1668"/>
+                    <a:pt x="1620" y="1668"/>
+                    <a:pt x="1620" y="1668"/>
+                  </a:cubicBezTo>
+                  <a:lnTo>
+                    <a:pt x="1620" y="975"/>
+                  </a:lnTo>
+                  <a:close/>
+                </a:path>
+              </a:pathLst>
+            </a:custGeom>
+            <a:noFill/>
+            <a:ln w="28575" cap="rnd">
+              <a:solidFill>
+                <a:srgbClr val="4591F2"/>
+              </a:solidFill>
+              <a:prstDash val="solid"/>
+              <a:round/>
+              <a:headEnd/>
+              <a:tailEnd/>
+            </a:ln>
+            <a:extLst>
+              <a:ext uri="{909E8E84-426E-40DD-AFC4-6F175D3DCCD1}">
+                <a14:hiddenFill xmlns:a14="http://schemas.microsoft.com/office/drawing/2010/main">
+                  <a:solidFill>
+                    <a:srgbClr val="FFFFFF"/>
+                  </a:solidFill>
+                </a14:hiddenFill>
+              </a:ext>
+            </a:extLst>
+          </p:spPr>
+          <p:txBody>
+            <a:bodyPr vert="horz" wrap="square" lIns="91440" tIns="45720" rIns="91440" bIns="45720" numCol="1" anchor="t" anchorCtr="0" compatLnSpc="1">
+              <a:prstTxWarp prst="textNoShape">
+                <a:avLst/>
+              </a:prstTxWarp>
+            </a:bodyPr>
+            <a:lstStyle/>
+            <a:p>
+              <a:endParaRPr lang="ko-KR" altLang="en-US"/>
+            </a:p>
+          </p:txBody>
+        </p:sp>
+        <p:grpSp>
+          <p:nvGrpSpPr>
+            <p:cNvPr id="17" name="그룹 16"/>
+            <p:cNvGrpSpPr/>
+            <p:nvPr/>
+          </p:nvGrpSpPr>
+          <p:grpSpPr>
+            <a:xfrm>
+              <a:off x="5696585" y="3297555"/>
+              <a:ext cx="406400" cy="177165"/>
+              <a:chOff x="5696585" y="3297555"/>
+              <a:chExt cx="406400" cy="177165"/>
+            </a:xfrm>
+          </p:grpSpPr>
+          <p:sp>
+            <p:nvSpPr>
+              <p:cNvPr id="18" name="Freeform 6"/>
+              <p:cNvSpPr>
+                <a:spLocks/>
+              </p:cNvSpPr>
+              <p:nvPr/>
+            </p:nvSpPr>
+            <p:spPr bwMode="auto">
+              <a:xfrm>
+                <a:off x="5696585" y="3474720"/>
+                <a:ext cx="73025" cy="635"/>
+              </a:xfrm>
+              <a:custGeom>
+                <a:avLst/>
+                <a:gdLst>
+                  <a:gd name="T0" fmla="*/ 232 w 232"/>
+                  <a:gd name="T1" fmla="*/ 232 w 232"/>
+                  <a:gd name="T2" fmla="*/ 0 w 232"/>
+                  <a:gd name="T3" fmla="*/ 232 w 232"/>
+                </a:gdLst>
+                <a:ahLst/>
+                <a:cxnLst>
+                  <a:cxn ang="0">
+                    <a:pos x="T0" y="0"/>
+                  </a:cxn>
+                  <a:cxn ang="0">
+                    <a:pos x="T1" y="0"/>
+                  </a:cxn>
+                  <a:cxn ang="0">
+                    <a:pos x="T2" y="0"/>
+                  </a:cxn>
+                  <a:cxn ang="0">
+                    <a:pos x="T3" y="0"/>
+                  </a:cxn>
+                </a:cxnLst>
+                <a:rect l="0" t="0" r="r" b="b"/>
+                <a:pathLst>
+                  <a:path w="232">
+                    <a:moveTo>
+                      <a:pt x="232" y="0"/>
+                    </a:moveTo>
+                    <a:lnTo>
+                      <a:pt x="232" y="0"/>
+                    </a:lnTo>
+                    <a:lnTo>
+                      <a:pt x="0" y="0"/>
+                    </a:lnTo>
+                    <a:lnTo>
+                      <a:pt x="232" y="0"/>
+                    </a:lnTo>
+                    <a:close/>
+                  </a:path>
+                </a:pathLst>
+              </a:custGeom>
+              <a:noFill/>
+              <a:ln w="28575" cap="rnd">
+                <a:solidFill>
+                  <a:srgbClr val="7DD5C9"/>
+                </a:solidFill>
+                <a:prstDash val="solid"/>
+                <a:round/>
+                <a:headEnd/>
+                <a:tailEnd/>
+              </a:ln>
+              <a:extLst>
+                <a:ext uri="{909E8E84-426E-40DD-AFC4-6F175D3DCCD1}">
+                  <a14:hiddenFill xmlns:a14="http://schemas.microsoft.com/office/drawing/2010/main">
+                    <a:solidFill>
+                      <a:srgbClr val="FFFFFF"/>
+                    </a:solidFill>
+                  </a14:hiddenFill>
+                </a:ext>
+              </a:extLst>
+            </p:spPr>
+            <p:txBody>
+              <a:bodyPr vert="horz" wrap="square" lIns="91440" tIns="45720" rIns="91440" bIns="45720" numCol="1" anchor="t" anchorCtr="0" compatLnSpc="1">
+                <a:prstTxWarp prst="textNoShape">
+                  <a:avLst/>
+                </a:prstTxWarp>
+              </a:bodyPr>
+              <a:lstStyle/>
+              <a:p>
+                <a:endParaRPr lang="ko-KR" altLang="en-US"/>
+              </a:p>
+            </p:txBody>
+          </p:sp>
+          <p:sp>
+            <p:nvSpPr>
+              <p:cNvPr id="19" name="Freeform 7"/>
+              <p:cNvSpPr>
+                <a:spLocks/>
+              </p:cNvSpPr>
+              <p:nvPr/>
+            </p:nvSpPr>
+            <p:spPr bwMode="auto">
+              <a:xfrm>
+                <a:off x="5899785" y="3298825"/>
+                <a:ext cx="635" cy="70485"/>
+              </a:xfrm>
+              <a:custGeom>
+                <a:avLst/>
+                <a:gdLst>
+                  <a:gd name="T0" fmla="*/ 0 h 225"/>
+                  <a:gd name="T1" fmla="*/ 0 h 225"/>
+                  <a:gd name="T2" fmla="*/ 225 h 225"/>
+                  <a:gd name="T3" fmla="*/ 0 h 225"/>
+                </a:gdLst>
+                <a:ahLst/>
+                <a:cxnLst>
+                  <a:cxn ang="0">
+                    <a:pos x="0" y="T0"/>
+                  </a:cxn>
+                  <a:cxn ang="0">
+                    <a:pos x="0" y="T1"/>
+                  </a:cxn>
+                  <a:cxn ang="0">
+                    <a:pos x="0" y="T2"/>
+                  </a:cxn>
+                  <a:cxn ang="0">
+                    <a:pos x="0" y="T3"/>
+                  </a:cxn>
+                </a:cxnLst>
+                <a:rect l="0" t="0" r="r" b="b"/>
+                <a:pathLst>
+                  <a:path h="225">
+                    <a:moveTo>
+                      <a:pt x="0" y="0"/>
+                    </a:moveTo>
+                    <a:lnTo>
+                      <a:pt x="0" y="0"/>
+                    </a:lnTo>
+                    <a:lnTo>
+                      <a:pt x="0" y="225"/>
+                    </a:lnTo>
+                    <a:lnTo>
+                      <a:pt x="0" y="0"/>
+                    </a:lnTo>
+                    <a:close/>
+                  </a:path>
+                </a:pathLst>
+              </a:custGeom>
+              <a:noFill/>
+              <a:ln w="28575" cap="rnd">
+                <a:solidFill>
+                  <a:srgbClr val="7DD5C9"/>
+                </a:solidFill>
+                <a:prstDash val="solid"/>
+                <a:round/>
+                <a:headEnd/>
+                <a:tailEnd/>
+              </a:ln>
+              <a:extLst>
+                <a:ext uri="{909E8E84-426E-40DD-AFC4-6F175D3DCCD1}">
+                  <a14:hiddenFill xmlns:a14="http://schemas.microsoft.com/office/drawing/2010/main">
+                    <a:solidFill>
+                      <a:srgbClr val="FFFFFF"/>
+                    </a:solidFill>
+                  </a14:hiddenFill>
+                </a:ext>
+              </a:extLst>
+            </p:spPr>
+            <p:txBody>
+              <a:bodyPr vert="horz" wrap="square" lIns="91440" tIns="45720" rIns="91440" bIns="45720" numCol="1" anchor="t" anchorCtr="0" compatLnSpc="1">
+                <a:prstTxWarp prst="textNoShape">
+                  <a:avLst/>
+                </a:prstTxWarp>
+              </a:bodyPr>
+              <a:lstStyle/>
+              <a:p>
+                <a:endParaRPr lang="ko-KR" altLang="en-US"/>
+              </a:p>
+            </p:txBody>
+          </p:sp>
+          <p:sp>
+            <p:nvSpPr>
+              <p:cNvPr id="20" name="Freeform 8"/>
+              <p:cNvSpPr>
+                <a:spLocks/>
+              </p:cNvSpPr>
+              <p:nvPr/>
+            </p:nvSpPr>
+            <p:spPr bwMode="auto">
+              <a:xfrm>
+                <a:off x="5766435" y="3352800"/>
+                <a:ext cx="51435" cy="50800"/>
+              </a:xfrm>
+              <a:custGeom>
+                <a:avLst/>
+                <a:gdLst>
+                  <a:gd name="T0" fmla="*/ 188 w 188"/>
+                  <a:gd name="T1" fmla="*/ 182 h 182"/>
+                  <a:gd name="T2" fmla="*/ 188 w 188"/>
+                  <a:gd name="T3" fmla="*/ 182 h 182"/>
+                  <a:gd name="T4" fmla="*/ 0 w 188"/>
+                  <a:gd name="T5" fmla="*/ 0 h 182"/>
+                  <a:gd name="T6" fmla="*/ 188 w 188"/>
+                  <a:gd name="T7" fmla="*/ 182 h 182"/>
+                </a:gdLst>
+                <a:ahLst/>
+                <a:cxnLst>
+                  <a:cxn ang="0">
+                    <a:pos x="T0" y="T1"/>
+                  </a:cxn>
+                  <a:cxn ang="0">
+                    <a:pos x="T2" y="T3"/>
+                  </a:cxn>
+                  <a:cxn ang="0">
+                    <a:pos x="T4" y="T5"/>
+                  </a:cxn>
+                  <a:cxn ang="0">
+                    <a:pos x="T6" y="T7"/>
+                  </a:cxn>
+                </a:cxnLst>
+                <a:rect l="0" t="0" r="r" b="b"/>
+                <a:pathLst>
+                  <a:path w="188" h="182">
+                    <a:moveTo>
+                      <a:pt x="188" y="182"/>
+                    </a:moveTo>
+                    <a:cubicBezTo>
+                      <a:pt x="188" y="182"/>
+                      <a:pt x="188" y="182"/>
+                      <a:pt x="188" y="182"/>
+                    </a:cubicBezTo>
+                    <a:cubicBezTo>
+                      <a:pt x="157" y="152"/>
+                      <a:pt x="28" y="28"/>
+                      <a:pt x="0" y="0"/>
+                    </a:cubicBezTo>
+                    <a:lnTo>
+                      <a:pt x="188" y="182"/>
+                    </a:lnTo>
+                    <a:close/>
+                  </a:path>
+                </a:pathLst>
+              </a:custGeom>
+              <a:noFill/>
+              <a:ln w="28575" cap="rnd">
+                <a:solidFill>
+                  <a:srgbClr val="7DD5C9"/>
+                </a:solidFill>
+                <a:prstDash val="solid"/>
+                <a:round/>
+                <a:headEnd/>
+                <a:tailEnd/>
+              </a:ln>
+              <a:extLst>
+                <a:ext uri="{909E8E84-426E-40DD-AFC4-6F175D3DCCD1}">
+                  <a14:hiddenFill xmlns:a14="http://schemas.microsoft.com/office/drawing/2010/main">
+                    <a:solidFill>
+                      <a:srgbClr val="FFFFFF"/>
+                    </a:solidFill>
+                  </a14:hiddenFill>
+                </a:ext>
+              </a:extLst>
+            </p:spPr>
+            <p:txBody>
+              <a:bodyPr vert="horz" wrap="square" lIns="91440" tIns="45720" rIns="91440" bIns="45720" numCol="1" anchor="t" anchorCtr="0" compatLnSpc="1">
+                <a:prstTxWarp prst="textNoShape">
+                  <a:avLst/>
+                </a:prstTxWarp>
+              </a:bodyPr>
+              <a:lstStyle/>
+              <a:p>
+                <a:endParaRPr lang="ko-KR" altLang="en-US"/>
+              </a:p>
+            </p:txBody>
+          </p:sp>
+          <p:sp>
+            <p:nvSpPr>
+              <p:cNvPr id="21" name="Freeform 9"/>
+              <p:cNvSpPr>
+                <a:spLocks/>
+              </p:cNvSpPr>
+              <p:nvPr/>
+            </p:nvSpPr>
+            <p:spPr bwMode="auto">
+              <a:xfrm>
+                <a:off x="6029325" y="3475355"/>
+                <a:ext cx="72390" cy="635"/>
+              </a:xfrm>
+              <a:custGeom>
+                <a:avLst/>
+                <a:gdLst>
+                  <a:gd name="T0" fmla="*/ 232 w 232"/>
+                  <a:gd name="T1" fmla="*/ 232 w 232"/>
+                  <a:gd name="T2" fmla="*/ 0 w 232"/>
+                  <a:gd name="T3" fmla="*/ 232 w 232"/>
+                </a:gdLst>
+                <a:ahLst/>
+                <a:cxnLst>
+                  <a:cxn ang="0">
+                    <a:pos x="T0" y="0"/>
+                  </a:cxn>
+                  <a:cxn ang="0">
+                    <a:pos x="T1" y="0"/>
+                  </a:cxn>
+                  <a:cxn ang="0">
+                    <a:pos x="T2" y="0"/>
+                  </a:cxn>
+                  <a:cxn ang="0">
+                    <a:pos x="T3" y="0"/>
+                  </a:cxn>
+                </a:cxnLst>
+                <a:rect l="0" t="0" r="r" b="b"/>
+                <a:pathLst>
+                  <a:path w="232">
+                    <a:moveTo>
+                      <a:pt x="232" y="0"/>
+                    </a:moveTo>
+                    <a:lnTo>
+                      <a:pt x="232" y="0"/>
+                    </a:lnTo>
+                    <a:lnTo>
+                      <a:pt x="0" y="0"/>
+                    </a:lnTo>
+                    <a:lnTo>
+                      <a:pt x="232" y="0"/>
+                    </a:lnTo>
+                    <a:close/>
+                  </a:path>
+                </a:pathLst>
+              </a:custGeom>
+              <a:noFill/>
+              <a:ln w="28575" cap="rnd">
+                <a:solidFill>
+                  <a:srgbClr val="7DD5C9"/>
+                </a:solidFill>
+                <a:prstDash val="solid"/>
+                <a:round/>
+                <a:headEnd/>
+                <a:tailEnd/>
+              </a:ln>
+              <a:extLst>
+                <a:ext uri="{909E8E84-426E-40DD-AFC4-6F175D3DCCD1}">
+                  <a14:hiddenFill xmlns:a14="http://schemas.microsoft.com/office/drawing/2010/main">
+                    <a:solidFill>
+                      <a:srgbClr val="FFFFFF"/>
+                    </a:solidFill>
+                  </a14:hiddenFill>
+                </a:ext>
+              </a:extLst>
+            </p:spPr>
+            <p:txBody>
+              <a:bodyPr vert="horz" wrap="square" lIns="91440" tIns="45720" rIns="91440" bIns="45720" numCol="1" anchor="t" anchorCtr="0" compatLnSpc="1">
+                <a:prstTxWarp prst="textNoShape">
+                  <a:avLst/>
+                </a:prstTxWarp>
+              </a:bodyPr>
+              <a:lstStyle/>
+              <a:p>
+                <a:endParaRPr lang="ko-KR" altLang="en-US"/>
+              </a:p>
+            </p:txBody>
+          </p:sp>
+          <p:sp>
+            <p:nvSpPr>
+              <p:cNvPr id="22" name="Freeform 10"/>
+              <p:cNvSpPr>
+                <a:spLocks/>
+              </p:cNvSpPr>
+              <p:nvPr/>
+            </p:nvSpPr>
+            <p:spPr bwMode="auto">
+              <a:xfrm>
+                <a:off x="5977255" y="3355340"/>
+                <a:ext cx="50800" cy="50165"/>
+              </a:xfrm>
+              <a:custGeom>
+                <a:avLst/>
+                <a:gdLst>
+                  <a:gd name="T0" fmla="*/ 188 w 188"/>
+                  <a:gd name="T1" fmla="*/ 0 h 182"/>
+                  <a:gd name="T2" fmla="*/ 188 w 188"/>
+                  <a:gd name="T3" fmla="*/ 0 h 182"/>
+                  <a:gd name="T4" fmla="*/ 0 w 188"/>
+                  <a:gd name="T5" fmla="*/ 182 h 182"/>
+                  <a:gd name="T6" fmla="*/ 188 w 188"/>
+                  <a:gd name="T7" fmla="*/ 0 h 182"/>
+                </a:gdLst>
+                <a:ahLst/>
+                <a:cxnLst>
+                  <a:cxn ang="0">
+                    <a:pos x="T0" y="T1"/>
+                  </a:cxn>
+                  <a:cxn ang="0">
+                    <a:pos x="T2" y="T3"/>
+                  </a:cxn>
+                  <a:cxn ang="0">
+                    <a:pos x="T4" y="T5"/>
+                  </a:cxn>
+                  <a:cxn ang="0">
+                    <a:pos x="T6" y="T7"/>
+                  </a:cxn>
+                </a:cxnLst>
+                <a:rect l="0" t="0" r="r" b="b"/>
+                <a:pathLst>
+                  <a:path w="188" h="182">
+                    <a:moveTo>
+                      <a:pt x="188" y="0"/>
+                    </a:moveTo>
+                    <a:cubicBezTo>
+                      <a:pt x="188" y="0"/>
+                      <a:pt x="188" y="0"/>
+                      <a:pt x="188" y="0"/>
+                    </a:cubicBezTo>
+                    <a:cubicBezTo>
+                      <a:pt x="157" y="30"/>
+                      <a:pt x="28" y="155"/>
+                      <a:pt x="0" y="182"/>
+                    </a:cubicBezTo>
+                    <a:lnTo>
+                      <a:pt x="188" y="0"/>
+                    </a:lnTo>
+                    <a:close/>
+                  </a:path>
+                </a:pathLst>
+              </a:custGeom>
+              <a:noFill/>
+              <a:ln w="28575" cap="rnd">
+                <a:solidFill>
+                  <a:srgbClr val="7DD5C9"/>
+                </a:solidFill>
+                <a:prstDash val="solid"/>
+                <a:round/>
+                <a:headEnd/>
+                <a:tailEnd/>
+              </a:ln>
+              <a:extLst>
+                <a:ext uri="{909E8E84-426E-40DD-AFC4-6F175D3DCCD1}">
+                  <a14:hiddenFill xmlns:a14="http://schemas.microsoft.com/office/drawing/2010/main">
+                    <a:solidFill>
+                      <a:srgbClr val="FFFFFF"/>
+                    </a:solidFill>
+                  </a14:hiddenFill>
+                </a:ext>
+              </a:extLst>
+            </p:spPr>
+            <p:txBody>
+              <a:bodyPr vert="horz" wrap="square" lIns="91440" tIns="45720" rIns="91440" bIns="45720" numCol="1" anchor="t" anchorCtr="0" compatLnSpc="1">
+                <a:prstTxWarp prst="textNoShape">
+                  <a:avLst/>
+                </a:prstTxWarp>
+              </a:bodyPr>
+              <a:lstStyle/>
+              <a:p>
+                <a:endParaRPr lang="ko-KR" altLang="en-US"/>
+              </a:p>
+            </p:txBody>
+          </p:sp>
+        </p:grpSp>
+      </p:grpSp>
+    </p:spTree>
+  </p:cSld>
+  <p:clrMapOvr>
+    <a:masterClrMapping/>
+  </p:clrMapOvr>
+  <mc:AlternateContent xmlns:mc="http://schemas.openxmlformats.org/markup-compatibility/2006">
+    <mc:Choice xmlns:p14="http://schemas.microsoft.com/office/powerpoint/2010/main" Requires="p14">
+      <p:transition spd="slow" p14:dur="700">
         <p:fade/>
       </p:transition>
     </mc:Choice>
@@ -28995,57 +30091,6 @@
             </p:txBody>
           </p:sp>
         </p:grpSp>
-        <p:grpSp>
-          <p:nvGrpSpPr>
-            <p:cNvPr id="13322" name="그룹 4"/>
-            <p:cNvGrpSpPr>
-              <a:grpSpLocks/>
-            </p:cNvGrpSpPr>
-            <p:nvPr/>
-          </p:nvGrpSpPr>
-          <p:grpSpPr bwMode="auto">
-            <a:xfrm>
-              <a:off x="577850" y="4365625"/>
-              <a:ext cx="647700" cy="400050"/>
-              <a:chOff x="577850" y="4365625"/>
-              <a:chExt cx="647700" cy="400050"/>
-            </a:xfrm>
-          </p:grpSpPr>
-        </p:grpSp>
-        <p:grpSp>
-          <p:nvGrpSpPr>
-            <p:cNvPr id="13323" name="그룹 5"/>
-            <p:cNvGrpSpPr>
-              <a:grpSpLocks/>
-            </p:cNvGrpSpPr>
-            <p:nvPr/>
-          </p:nvGrpSpPr>
-          <p:grpSpPr bwMode="auto">
-            <a:xfrm>
-              <a:off x="577850" y="4776470"/>
-              <a:ext cx="647700" cy="400050"/>
-              <a:chOff x="577850" y="4776470"/>
-              <a:chExt cx="647700" cy="400050"/>
-            </a:xfrm>
-          </p:grpSpPr>
-        </p:grpSp>
-        <p:grpSp>
-          <p:nvGrpSpPr>
-            <p:cNvPr id="13324" name="그룹 6"/>
-            <p:cNvGrpSpPr>
-              <a:grpSpLocks/>
-            </p:cNvGrpSpPr>
-            <p:nvPr/>
-          </p:nvGrpSpPr>
-          <p:grpSpPr bwMode="auto">
-            <a:xfrm>
-              <a:off x="1114425" y="5189220"/>
-              <a:ext cx="3757930" cy="400050"/>
-              <a:chOff x="1114425" y="5189220"/>
-              <a:chExt cx="3757930" cy="400050"/>
-            </a:xfrm>
-          </p:grpSpPr>
-        </p:grpSp>
       </p:grpSp>
       <p:sp>
         <p:nvSpPr>
@@ -29273,8 +30318,8 @@
           </p:nvSpPr>
           <p:spPr bwMode="auto">
             <a:xfrm>
-              <a:off x="3786505" y="1631950"/>
-              <a:ext cx="439420" cy="480695"/>
+              <a:off x="3733800" y="1758950"/>
+              <a:ext cx="439420" cy="480060"/>
             </a:xfrm>
             <a:custGeom>
               <a:avLst/>
@@ -29606,10 +30651,10 @@
           </p:nvGrpSpPr>
           <p:grpSpPr>
             <a:xfrm>
-              <a:off x="3544570" y="1971040"/>
-              <a:ext cx="406400" cy="177800"/>
-              <a:chOff x="3544570" y="1971040"/>
-              <a:chExt cx="406400" cy="177800"/>
+              <a:off x="3700780" y="1594485"/>
+              <a:ext cx="406400" cy="177165"/>
+              <a:chOff x="3700780" y="1594485"/>
+              <a:chExt cx="406400" cy="177165"/>
             </a:xfrm>
           </p:grpSpPr>
           <p:sp>
@@ -29622,8 +30667,8 @@
             </p:nvSpPr>
             <p:spPr bwMode="auto">
               <a:xfrm>
-                <a:off x="3656330" y="1878965"/>
-                <a:ext cx="72390" cy="0"/>
+                <a:off x="3700780" y="1771650"/>
+                <a:ext cx="73025" cy="635"/>
               </a:xfrm>
               <a:custGeom>
                 <a:avLst/>
@@ -29709,8 +30754,8 @@
             </p:nvSpPr>
             <p:spPr bwMode="auto">
               <a:xfrm>
-                <a:off x="3709670" y="2063115"/>
-                <a:ext cx="0" cy="69850"/>
+                <a:off x="3903980" y="1595755"/>
+                <a:ext cx="635" cy="70485"/>
               </a:xfrm>
               <a:custGeom>
                 <a:avLst/>
@@ -29796,8 +30841,8 @@
             </p:nvSpPr>
             <p:spPr bwMode="auto">
               <a:xfrm>
-                <a:off x="3641090" y="1963420"/>
-                <a:ext cx="52070" cy="50800"/>
+                <a:off x="3770630" y="1649730"/>
+                <a:ext cx="51435" cy="50800"/>
               </a:xfrm>
               <a:custGeom>
                 <a:avLst/>
@@ -29891,7 +30936,7 @@
             </p:nvSpPr>
             <p:spPr bwMode="auto">
               <a:xfrm>
-                <a:off x="3891915" y="2114550"/>
+                <a:off x="4033520" y="1772285"/>
                 <a:ext cx="72390" cy="635"/>
               </a:xfrm>
               <a:custGeom>
@@ -29978,8 +31023,8 @@
             </p:nvSpPr>
             <p:spPr bwMode="auto">
               <a:xfrm>
-                <a:off x="3790950" y="2112645"/>
-                <a:ext cx="51435" cy="50165"/>
+                <a:off x="3981450" y="1652270"/>
+                <a:ext cx="50800" cy="50165"/>
               </a:xfrm>
               <a:custGeom>
                 <a:avLst/>
@@ -30372,8 +31417,8 @@
           </p:nvSpPr>
           <p:spPr bwMode="auto">
             <a:xfrm>
-              <a:off x="5539105" y="1631950"/>
-              <a:ext cx="439420" cy="480695"/>
+              <a:off x="5486400" y="1758950"/>
+              <a:ext cx="439420" cy="480060"/>
             </a:xfrm>
             <a:custGeom>
               <a:avLst/>
@@ -30705,10 +31750,10 @@
           </p:nvGrpSpPr>
           <p:grpSpPr>
             <a:xfrm>
-              <a:off x="5297170" y="1971040"/>
-              <a:ext cx="406400" cy="177800"/>
-              <a:chOff x="5297170" y="1971040"/>
-              <a:chExt cx="406400" cy="177800"/>
+              <a:off x="5453380" y="1594485"/>
+              <a:ext cx="406400" cy="177165"/>
+              <a:chOff x="5453380" y="1594485"/>
+              <a:chExt cx="406400" cy="177165"/>
             </a:xfrm>
           </p:grpSpPr>
           <p:sp>
@@ -30721,8 +31766,8 @@
             </p:nvSpPr>
             <p:spPr bwMode="auto">
               <a:xfrm>
-                <a:off x="5408930" y="1878965"/>
-                <a:ext cx="72390" cy="0"/>
+                <a:off x="5453380" y="1771650"/>
+                <a:ext cx="73025" cy="635"/>
               </a:xfrm>
               <a:custGeom>
                 <a:avLst/>
@@ -30808,8 +31853,8 @@
             </p:nvSpPr>
             <p:spPr bwMode="auto">
               <a:xfrm>
-                <a:off x="5462270" y="2063115"/>
-                <a:ext cx="0" cy="69850"/>
+                <a:off x="5656580" y="1595755"/>
+                <a:ext cx="635" cy="70485"/>
               </a:xfrm>
               <a:custGeom>
                 <a:avLst/>
@@ -30895,8 +31940,8 @@
             </p:nvSpPr>
             <p:spPr bwMode="auto">
               <a:xfrm>
-                <a:off x="5393690" y="1963420"/>
-                <a:ext cx="52070" cy="50800"/>
+                <a:off x="5523230" y="1649730"/>
+                <a:ext cx="51435" cy="50800"/>
               </a:xfrm>
               <a:custGeom>
                 <a:avLst/>
@@ -30990,7 +32035,7 @@
             </p:nvSpPr>
             <p:spPr bwMode="auto">
               <a:xfrm>
-                <a:off x="5644515" y="2114550"/>
+                <a:off x="5786120" y="1772285"/>
                 <a:ext cx="72390" cy="635"/>
               </a:xfrm>
               <a:custGeom>
@@ -31077,8 +32122,8 @@
             </p:nvSpPr>
             <p:spPr bwMode="auto">
               <a:xfrm>
-                <a:off x="5543550" y="2112645"/>
-                <a:ext cx="51435" cy="50165"/>
+                <a:off x="5734050" y="1652270"/>
+                <a:ext cx="50800" cy="50165"/>
               </a:xfrm>
               <a:custGeom>
                 <a:avLst/>
@@ -31219,7 +32264,7 @@
         <p:spPr bwMode="auto">
           <a:xfrm rot="0">
             <a:off x="454025" y="782955"/>
-            <a:ext cx="2818765" cy="522604"/>
+            <a:ext cx="2818765" cy="522605"/>
           </a:xfrm>
           <a:prstGeom prst="rect"/>
           <a:noFill/>
@@ -31433,7 +32478,7 @@
         <p:spPr bwMode="auto">
           <a:xfrm rot="0">
             <a:off x="454025" y="3312795"/>
-            <a:ext cx="2818765" cy="522604"/>
+            <a:ext cx="2818765" cy="522605"/>
           </a:xfrm>
           <a:prstGeom prst="rect"/>
           <a:noFill/>
@@ -31800,9 +32845,9 @@
           <p:nvPr/>
         </p:nvSpPr>
         <p:spPr bwMode="auto">
-          <a:xfrm rot="0">
+          <a:xfrm>
             <a:off x="6151245" y="4243070"/>
-            <a:ext cx="2442210" cy="1590675"/>
+            <a:ext cx="2442845" cy="2088515"/>
           </a:xfrm>
           <a:prstGeom prst="rect"/>
           <a:noFill/>
@@ -31812,12 +32857,12 @@
           </a:ln>
         </p:spPr>
         <p:txBody>
-          <a:bodyPr wrap="square" lIns="91440" tIns="45720" rIns="91440" bIns="45720" vert="horz" anchor="t">
+          <a:bodyPr wrap="square" lIns="91440" tIns="45720" rIns="91440" bIns="45720" numCol="1" vert="horz" anchor="t">
             <a:spAutoFit/>
           </a:bodyPr>
           <a:lstStyle/>
           <a:p>
-            <a:pPr marL="0" indent="0" algn="ctr" fontAlgn="auto" defTabSz="914400" eaLnBrk="0">
+            <a:pPr marL="0" indent="0" algn="ctr" fontAlgn="auto" defTabSz="914400" eaLnBrk="0" latinLnBrk="0">
               <a:lnSpc>
                 <a:spcPct val="90000"/>
               </a:lnSpc>
@@ -31849,7 +32894,7 @@
             </a:endParaRPr>
           </a:p>
           <a:p>
-            <a:pPr marL="228600" indent="-228600" algn="l" fontAlgn="auto" defTabSz="914400" eaLnBrk="0">
+            <a:pPr marL="228600" indent="-228600" algn="l" fontAlgn="auto" defTabSz="914400" eaLnBrk="0" latinLnBrk="0">
               <a:lnSpc>
                 <a:spcPct val="90000"/>
               </a:lnSpc>
@@ -31881,7 +32926,7 @@
             </a:endParaRPr>
           </a:p>
           <a:p>
-            <a:pPr marL="228600" indent="-228600" algn="l" fontAlgn="auto" defTabSz="914400" eaLnBrk="0">
+            <a:pPr marL="228600" indent="-228600" algn="l" fontAlgn="auto" defTabSz="914400" eaLnBrk="0" latinLnBrk="0">
               <a:lnSpc>
                 <a:spcPct val="90000"/>
               </a:lnSpc>
@@ -31902,7 +32947,7 @@
                 <a:latin typeface="맑은 고딕" charset="0"/>
                 <a:ea typeface="맑은 고딕" charset="0"/>
               </a:rPr>
-              <a:t>사용자 관심 제품 분석</a:t>
+              <a:t>사용자 관심 상품 분석 (연령대나 성별로 관심 상품을 그래프로 표현)</a:t>
             </a:r>
             <a:endParaRPr lang="ko-KR" altLang="en-US" sz="1800" cap="none" dirty="0" smtClean="0" b="1">
               <a:solidFill>
@@ -31942,7 +32987,7 @@
 </file>
 
 <file path=ppt/slides/slide5.xml><?xml version="1.0" encoding="utf-8"?>
-<p:sld xmlns:a="http://schemas.openxmlformats.org/drawingml/2006/main" xmlns:r="http://schemas.openxmlformats.org/officeDocument/2006/relationships" xmlns:p="http://schemas.openxmlformats.org/presentationml/2006/main">
+<p:sld xmlns:a="http://schemas.openxmlformats.org/drawingml/2006/main" xmlns:r="http://schemas.openxmlformats.org/officeDocument/2006/relationships" xmlns:p="http://schemas.openxmlformats.org/presentationml/2006/main" xmlns:p14="http://schemas.microsoft.com/office/powerpoint/2010/main">
   <p:cSld>
     <p:spTree>
       <p:nvGrpSpPr>
@@ -32264,8 +33309,8 @@
           </p:nvSpPr>
           <p:spPr bwMode="auto">
             <a:xfrm rot="0">
-              <a:off x="5486400" y="1758950"/>
-              <a:ext cx="440055" cy="480695"/>
+              <a:off x="5539105" y="1631315"/>
+              <a:ext cx="439420" cy="480060"/>
             </a:xfrm>
             <a:custGeom>
               <a:gdLst>
@@ -32603,10 +33648,10 @@
           </p:nvGrpSpPr>
           <p:grpSpPr>
             <a:xfrm rot="108000000">
-              <a:off x="5452745" y="1595755"/>
-              <a:ext cx="407035" cy="178435"/>
-              <a:chOff x="5452745" y="1595755"/>
-              <a:chExt cx="407035" cy="178435"/>
+              <a:off x="5296535" y="1969135"/>
+              <a:ext cx="406400" cy="178435"/>
+              <a:chOff x="5296535" y="1969135"/>
+              <a:chExt cx="406400" cy="178435"/>
             </a:xfrm>
           </p:grpSpPr>
           <p:sp>
@@ -32619,7 +33664,7 @@
             </p:nvSpPr>
             <p:spPr bwMode="auto">
               <a:xfrm rot="0">
-                <a:off x="5452745" y="1774190"/>
+                <a:off x="5410200" y="1877060"/>
                 <a:ext cx="72390" cy="635"/>
               </a:xfrm>
               <a:custGeom>
@@ -32716,8 +33761,8 @@
             </p:nvSpPr>
             <p:spPr bwMode="auto">
               <a:xfrm rot="0">
-                <a:off x="5656580" y="1594485"/>
-                <a:ext cx="635" cy="70485"/>
+                <a:off x="5462270" y="2063750"/>
+                <a:ext cx="0" cy="69215"/>
               </a:xfrm>
               <a:custGeom>
                 <a:gdLst>
@@ -32813,8 +33858,8 @@
             </p:nvSpPr>
             <p:spPr bwMode="auto">
               <a:xfrm rot="0">
-                <a:off x="5523230" y="1652270"/>
-                <a:ext cx="49530" cy="50165"/>
+                <a:off x="5393690" y="1962785"/>
+                <a:ext cx="51435" cy="50165"/>
               </a:xfrm>
               <a:custGeom>
                 <a:gdLst>
@@ -32914,8 +33959,8 @@
             </p:nvSpPr>
             <p:spPr bwMode="auto">
               <a:xfrm rot="0">
-                <a:off x="5786755" y="1772920"/>
-                <a:ext cx="72390" cy="635"/>
+                <a:off x="5645785" y="2117090"/>
+                <a:ext cx="72390" cy="0"/>
               </a:xfrm>
               <a:custGeom>
                 <a:gdLst>
@@ -33011,8 +34056,8 @@
             </p:nvSpPr>
             <p:spPr bwMode="auto">
               <a:xfrm rot="0">
-                <a:off x="5732145" y="1654175"/>
-                <a:ext cx="52070" cy="50165"/>
+                <a:off x="5543550" y="2110105"/>
+                <a:ext cx="52070" cy="50800"/>
               </a:xfrm>
               <a:custGeom>
                 <a:gdLst>
@@ -33132,6 +34177,134 @@
 </file>
 
 <file path=ppt/slides/slide6.xml><?xml version="1.0" encoding="utf-8"?>
+<p:sld xmlns:a="http://schemas.openxmlformats.org/drawingml/2006/main" xmlns:r="http://schemas.openxmlformats.org/officeDocument/2006/relationships" xmlns:p="http://schemas.openxmlformats.org/presentationml/2006/main">
+  <p:cSld>
+    <p:spTree>
+      <p:nvGrpSpPr>
+        <p:cNvPr id="1" name=""/>
+        <p:cNvGrpSpPr/>
+        <p:nvPr/>
+      </p:nvGrpSpPr>
+      <p:grpSpPr>
+        <a:xfrm>
+          <a:off x="0" y="0"/>
+          <a:ext cx="0" cy="0"/>
+          <a:chOff x="0" y="0"/>
+          <a:chExt cx="0" cy="0"/>
+        </a:xfrm>
+      </p:grpSpPr>
+      <p:sp>
+        <p:nvSpPr>
+          <p:cNvPr id="15376" name="TextBox 15375"/>
+          <p:cNvSpPr txBox="1">
+            <a:spLocks/>
+          </p:cNvSpPr>
+          <p:nvPr/>
+        </p:nvSpPr>
+        <p:spPr bwMode="auto">
+          <a:xfrm rot="0">
+            <a:off x="454025" y="782955"/>
+            <a:ext cx="2819400" cy="522604"/>
+          </a:xfrm>
+          <a:prstGeom prst="rect"/>
+          <a:noFill/>
+          <a:ln w="0">
+            <a:noFill/>
+            <a:prstDash/>
+          </a:ln>
+        </p:spPr>
+        <p:txBody>
+          <a:bodyPr wrap="square" lIns="91440" tIns="45720" rIns="91440" bIns="45720" vert="horz" anchor="t">
+            <a:spAutoFit/>
+          </a:bodyPr>
+          <a:lstStyle/>
+          <a:p>
+            <a:pPr marL="0" indent="0" algn="just" fontAlgn="base" defTabSz="914400" eaLnBrk="0" latinLnBrk="0">
+              <a:lnSpc>
+                <a:spcPct val="100000"/>
+              </a:lnSpc>
+              <a:spcBef>
+                <a:spcPts val="0"/>
+              </a:spcBef>
+              <a:spcAft>
+                <a:spcPts val="0"/>
+              </a:spcAft>
+              <a:buFontTx/>
+              <a:buNone/>
+            </a:pPr>
+            <a:r>
+              <a:rPr lang="en-US" altLang="ko-KR" sz="2800" cap="none" spc="-150" dirty="0" smtClean="0" b="1">
+                <a:solidFill>
+                  <a:srgbClr val="FFFFFF"/>
+                </a:solidFill>
+                <a:latin typeface="맑은 고딕" charset="0"/>
+                <a:ea typeface="맑은 고딕" charset="0"/>
+              </a:rPr>
+              <a:t>2-1. 화면 흐름도</a:t>
+            </a:r>
+            <a:endParaRPr lang="ko-KR" altLang="en-US" sz="2800" cap="none" dirty="0" smtClean="0" b="1">
+              <a:solidFill>
+                <a:srgbClr val="FFFFFF"/>
+              </a:solidFill>
+              <a:latin typeface="맑은 고딕" charset="0"/>
+              <a:ea typeface="맑은 고딕" charset="0"/>
+            </a:endParaRPr>
+          </a:p>
+        </p:txBody>
+      </p:sp>
+      <p:pic>
+        <p:nvPicPr>
+          <p:cNvPr id="15377" name="그림 15376" descr="C:/Users/KOITT/AppData/Roaming/PolarisOffice/ETemp/5856_6763232/fImage2047442141.png"/>
+          <p:cNvPicPr>
+            <a:picLocks noChangeAspect="1"/>
+          </p:cNvPicPr>
+          <p:nvPr/>
+        </p:nvPicPr>
+        <p:blipFill rotWithShape="1">
+          <a:blip r:embed="rId2">
+            <a:extLst>
+              <a:ext uri="{28A0092B-C50C-407E-A947-70E740481C1C}">
+                <a14:useLocalDpi xmlns:a14="http://schemas.microsoft.com/office/drawing/2010/main" val="0"/>
+              </a:ext>
+            </a:extLst>
+          </a:blip>
+          <a:stretch>
+            <a:fillRect/>
+          </a:stretch>
+        </p:blipFill>
+        <p:spPr>
+          <a:xfrm rot="0">
+            <a:off x="1299210" y="1457960"/>
+            <a:ext cx="6544945" cy="5031740"/>
+          </a:xfrm>
+          <a:prstGeom prst="rect"/>
+          <a:noFill/>
+        </p:spPr>
+      </p:pic>
+    </p:spTree>
+  </p:cSld>
+  <p:clrMapOvr>
+    <a:masterClrMapping/>
+  </p:clrMapOvr>
+  <mc:AlternateContent xmlns:mc="http://schemas.openxmlformats.org/markup-compatibility/2006">
+    <mc:Choice xmlns:p14="http://schemas.microsoft.com/office/powerpoint/2010/main" Requires="p14">
+      <p:transition spd="slow" p14:dur="500"/>
+    </mc:Choice>
+    <mc:Fallback>
+      <p:transition spd="slow"/>
+    </mc:Fallback>
+  </mc:AlternateContent>
+  <p:timing>
+    <p:tnLst>
+      <p:par>
+        <p:cTn id="1" dur="indefinite" restart="never" nodeType="tmRoot"/>
+      </p:par>
+    </p:tnLst>
+  </p:timing>
+</p:sld>
+</file>
+
+<file path=ppt/slides/slide7.xml><?xml version="1.0" encoding="utf-8"?>
 <p:sld xmlns:a="http://schemas.openxmlformats.org/drawingml/2006/main" xmlns:r="http://schemas.openxmlformats.org/officeDocument/2006/relationships" xmlns:p="http://schemas.openxmlformats.org/presentationml/2006/main" xmlns:p14="http://schemas.microsoft.com/office/powerpoint/2010/main">
   <p:cSld>
     <p:spTree>
@@ -33150,7 +34323,7 @@
       </p:grpSpPr>
       <p:pic>
         <p:nvPicPr>
-          <p:cNvPr id="15364" name="그림 15363" descr="C:/Users/KOITT/AppData/Roaming/PolarisOffice/ETemp/2824_2699712/fImage123745541.png"/>
+          <p:cNvPr id="15364" name="그림 15363" descr="C:/Users/KOITT/AppData/Roaming/PolarisOffice/ETemp/5856_6763232/fImage123745541.png"/>
           <p:cNvPicPr>
             <a:picLocks noChangeAspect="1"/>
           </p:cNvPicPr>
@@ -33158,6 +34331,10 @@
         </p:nvPicPr>
         <p:blipFill rotWithShape="1">
           <a:blip r:embed="rId3">
+            <a:duotone>
+              <a:srgbClr val="23809A"/>
+              <a:prstClr val="white"/>
+            </a:duotone>
             <a:extLst>
               <a:ext uri="{28A0092B-C50C-407E-A947-70E740481C1C}">
                 <a14:useLocalDpi xmlns:a14="http://schemas.microsoft.com/office/drawing/2010/main" val="0"/>
@@ -33172,7 +34349,7 @@
         <p:spPr>
           <a:xfrm rot="0">
             <a:off x="651510" y="3144520"/>
-            <a:ext cx="610870" cy="610870"/>
+            <a:ext cx="611505" cy="611505"/>
           </a:xfrm>
           <a:prstGeom prst="rect"/>
           <a:noFill/>
@@ -33180,7 +34357,7 @@
       </p:pic>
       <p:pic>
         <p:nvPicPr>
-          <p:cNvPr id="15365" name="그림 15364" descr="C:/Users/KOITT/AppData/Roaming/PolarisOffice/ETemp/2824_2699712/fImage3334568467.png"/>
+          <p:cNvPr id="15365" name="그림 15364" descr="C:/Users/KOITT/AppData/Roaming/PolarisOffice/ETemp/5856_6763232/fImage3334568467.png"/>
           <p:cNvPicPr>
             <a:picLocks noChangeAspect="1"/>
           </p:cNvPicPr>
@@ -33188,6 +34365,10 @@
         </p:nvPicPr>
         <p:blipFill rotWithShape="1">
           <a:blip r:embed="rId4">
+            <a:duotone>
+              <a:srgbClr val="23809A"/>
+              <a:prstClr val="white"/>
+            </a:duotone>
             <a:extLst>
               <a:ext uri="{28A0092B-C50C-407E-A947-70E740481C1C}">
                 <a14:useLocalDpi xmlns:a14="http://schemas.microsoft.com/office/drawing/2010/main" val="0"/>
@@ -33202,7 +34383,7 @@
         <p:spPr>
           <a:xfrm rot="0">
             <a:off x="1916430" y="2428240"/>
-            <a:ext cx="610870" cy="610870"/>
+            <a:ext cx="611505" cy="611505"/>
           </a:xfrm>
           <a:prstGeom prst="rect"/>
           <a:noFill/>
@@ -33210,7 +34391,7 @@
       </p:pic>
       <p:pic>
         <p:nvPicPr>
-          <p:cNvPr id="15366" name="그림 15365" descr="C:/Users/KOITT/AppData/Roaming/PolarisOffice/ETemp/2824_2699712/fImage14204576334.png"/>
+          <p:cNvPr id="15366" name="그림 15365" descr="C:/Users/KOITT/AppData/Roaming/PolarisOffice/ETemp/5856_6763232/fImage14204576334.png"/>
           <p:cNvPicPr>
             <a:picLocks noChangeAspect="1"/>
           </p:cNvPicPr>
@@ -33218,6 +34399,10 @@
         </p:nvPicPr>
         <p:blipFill rotWithShape="1">
           <a:blip r:embed="rId5">
+            <a:duotone>
+              <a:srgbClr val="23809A"/>
+              <a:prstClr val="white"/>
+            </a:duotone>
             <a:extLst>
               <a:ext uri="{28A0092B-C50C-407E-A947-70E740481C1C}">
                 <a14:useLocalDpi xmlns:a14="http://schemas.microsoft.com/office/drawing/2010/main" val="0"/>
@@ -33231,8 +34416,8 @@
         </p:blipFill>
         <p:spPr>
           <a:xfrm rot="0">
-            <a:off x="7546340" y="2049780"/>
-            <a:ext cx="610870" cy="610870"/>
+            <a:off x="7203440" y="2049780"/>
+            <a:ext cx="611505" cy="611505"/>
           </a:xfrm>
           <a:prstGeom prst="rect"/>
           <a:noFill/>
@@ -33240,7 +34425,7 @@
       </p:pic>
       <p:pic>
         <p:nvPicPr>
-          <p:cNvPr id="15367" name="그림 15366" descr="C:/Users/KOITT/AppData/Roaming/PolarisOffice/ETemp/2824_2699712/fImage8894586500.png"/>
+          <p:cNvPr id="15367" name="그림 15366" descr="C:/Users/KOITT/AppData/Roaming/PolarisOffice/ETemp/5856_6763232/fImage8894586500.png"/>
           <p:cNvPicPr>
             <a:picLocks noChangeAspect="1"/>
           </p:cNvPicPr>
@@ -33248,6 +34433,10 @@
         </p:nvPicPr>
         <p:blipFill rotWithShape="1">
           <a:blip r:embed="rId6">
+            <a:duotone>
+              <a:srgbClr val="23809A"/>
+              <a:prstClr val="white"/>
+            </a:duotone>
             <a:extLst>
               <a:ext uri="{28A0092B-C50C-407E-A947-70E740481C1C}">
                 <a14:useLocalDpi xmlns:a14="http://schemas.microsoft.com/office/drawing/2010/main" val="0"/>
@@ -33262,7 +34451,7 @@
         <p:spPr>
           <a:xfrm rot="0">
             <a:off x="5862320" y="4401185"/>
-            <a:ext cx="610870" cy="610870"/>
+            <a:ext cx="611505" cy="611505"/>
           </a:xfrm>
           <a:prstGeom prst="rect"/>
           <a:noFill/>
@@ -33278,18 +34467,18 @@
         </p:nvSpPr>
         <p:spPr>
           <a:xfrm rot="0">
-            <a:off x="672465" y="3890645"/>
-            <a:ext cx="568960" cy="273685"/>
+            <a:off x="638175" y="3890645"/>
+            <a:ext cx="640080" cy="274320"/>
           </a:xfrm>
           <a:prstGeom prst="rect"/>
         </p:spPr>
         <p:txBody>
-          <a:bodyPr wrap="square" lIns="91440" tIns="45720" rIns="91440" bIns="45720" vert="horz" anchor="t">
-            <a:normAutofit fontScale="70000" lnSpcReduction="10000"/>
+          <a:bodyPr wrap="square" lIns="91440" tIns="45720" rIns="91440" bIns="45720" numCol="1" vert="horz" anchor="t">
+            <a:noAutofit/>
           </a:bodyPr>
           <a:lstStyle/>
           <a:p>
-            <a:pPr marL="0" indent="0" algn="ctr" fontAlgn="auto" defTabSz="914400" eaLnBrk="0">
+            <a:pPr marL="0" indent="0" algn="ctr" fontAlgn="auto" defTabSz="914400" eaLnBrk="0" latinLnBrk="0">
               <a:lnSpc>
                 <a:spcPct val="90000"/>
               </a:lnSpc>
@@ -33303,7 +34492,7 @@
               <a:buNone/>
             </a:pPr>
             <a:r>
-              <a:rPr lang="en-US" altLang="ko-KR" sz="1400" cap="none" dirty="0" smtClean="0" b="1">
+              <a:rPr lang="en-US" altLang="ko-KR" sz="1100" cap="none" dirty="0" smtClean="0" b="1">
                 <a:solidFill>
                   <a:schemeClr val="bg1"/>
                 </a:solidFill>
@@ -33312,7 +34501,7 @@
               </a:rPr>
               <a:t>사용자</a:t>
             </a:r>
-            <a:endParaRPr lang="ko-KR" altLang="en-US" sz="1400" cap="none" dirty="0" smtClean="0" b="1">
+            <a:endParaRPr lang="ko-KR" altLang="en-US" sz="1100" cap="none" dirty="0" smtClean="0" b="1">
               <a:solidFill>
                 <a:schemeClr val="bg1"/>
               </a:solidFill>
@@ -33332,18 +34521,18 @@
         </p:nvSpPr>
         <p:spPr>
           <a:xfrm rot="0">
-            <a:off x="6881495" y="2658745"/>
-            <a:ext cx="1932305" cy="1423035"/>
+            <a:off x="6538595" y="2658745"/>
+            <a:ext cx="1932940" cy="1423670"/>
           </a:xfrm>
           <a:prstGeom prst="rect"/>
         </p:spPr>
         <p:txBody>
-          <a:bodyPr wrap="square" lIns="91440" tIns="45720" rIns="91440" bIns="45720" vert="horz" anchor="t">
-            <a:normAutofit fontScale="85000" lnSpcReduction="0"/>
+          <a:bodyPr wrap="square" lIns="91440" tIns="45720" rIns="91440" bIns="45720" numCol="1" vert="horz" anchor="t">
+            <a:normAutofit fontScale="62500" lnSpcReduction="0"/>
           </a:bodyPr>
           <a:lstStyle/>
           <a:p>
-            <a:pPr marL="0" indent="0" algn="ctr" fontAlgn="auto" defTabSz="914400" eaLnBrk="0">
+            <a:pPr marL="0" indent="0" algn="ctr" fontAlgn="auto" defTabSz="914400" eaLnBrk="0" latinLnBrk="0">
               <a:lnSpc>
                 <a:spcPct val="90000"/>
               </a:lnSpc>
@@ -33357,7 +34546,7 @@
               <a:buNone/>
             </a:pPr>
             <a:r>
-              <a:rPr lang="en-US" altLang="ko-KR" sz="1200" cap="none" dirty="0" smtClean="0" b="1">
+              <a:rPr lang="en-US" altLang="ko-KR" sz="2240" cap="none" dirty="0" smtClean="0" b="1">
                 <a:solidFill>
                   <a:schemeClr val="bg1"/>
                 </a:solidFill>
@@ -33366,7 +34555,7 @@
               </a:rPr>
               <a:t>Server</a:t>
             </a:r>
-            <a:endParaRPr lang="ko-KR" altLang="en-US" sz="1200" cap="none" dirty="0" smtClean="0" b="1">
+            <a:endParaRPr lang="ko-KR" altLang="en-US" sz="2240" cap="none" dirty="0" smtClean="0" b="1">
               <a:solidFill>
                 <a:schemeClr val="bg1"/>
               </a:solidFill>
@@ -33375,7 +34564,7 @@
             </a:endParaRPr>
           </a:p>
           <a:p>
-            <a:pPr marL="228600" indent="-228600" algn="l" fontAlgn="auto" defTabSz="914400" eaLnBrk="0">
+            <a:pPr marL="254000" indent="-254000" algn="l" fontAlgn="auto" defTabSz="914400" eaLnBrk="0" latinLnBrk="0">
               <a:lnSpc>
                 <a:spcPct val="90000"/>
               </a:lnSpc>
@@ -33385,9 +34574,11 @@
               <a:spcAft>
                 <a:spcPts val="0"/>
               </a:spcAft>
+              <a:buFont typeface="Wingdings"/>
+              <a:buChar char=""/>
             </a:pPr>
             <a:r>
-              <a:rPr lang="en-US" altLang="ko-KR" sz="1400" cap="none" dirty="0" smtClean="0" b="1">
+              <a:rPr lang="en-US" altLang="ko-KR" sz="2240" cap="none" dirty="0" smtClean="0" b="1">
                 <a:solidFill>
                   <a:schemeClr val="bg1"/>
                 </a:solidFill>
@@ -33396,7 +34587,7 @@
               </a:rPr>
               <a:t>상품 판매 기록 및 분석</a:t>
             </a:r>
-            <a:endParaRPr lang="ko-KR" altLang="en-US" sz="1400" cap="none" dirty="0" smtClean="0" b="1">
+            <a:endParaRPr lang="ko-KR" altLang="en-US" sz="2240" cap="none" dirty="0" smtClean="0" b="1">
               <a:solidFill>
                 <a:schemeClr val="bg1"/>
               </a:solidFill>
@@ -33405,7 +34596,7 @@
             </a:endParaRPr>
           </a:p>
           <a:p>
-            <a:pPr marL="228600" indent="-228600" algn="l" fontAlgn="auto" defTabSz="914400" eaLnBrk="0">
+            <a:pPr marL="254000" indent="-254000" algn="l" fontAlgn="auto" defTabSz="914400" eaLnBrk="0" latinLnBrk="0">
               <a:lnSpc>
                 <a:spcPct val="90000"/>
               </a:lnSpc>
@@ -33415,9 +34606,11 @@
               <a:spcAft>
                 <a:spcPts val="0"/>
               </a:spcAft>
+              <a:buFont typeface="Wingdings"/>
+              <a:buChar char=""/>
             </a:pPr>
             <a:r>
-              <a:rPr lang="en-US" altLang="ko-KR" sz="1400" cap="none" dirty="0" smtClean="0" b="1">
+              <a:rPr lang="en-US" altLang="ko-KR" sz="2240" cap="none" dirty="0" smtClean="0" b="1">
                 <a:solidFill>
                   <a:schemeClr val="bg1"/>
                 </a:solidFill>
@@ -33426,7 +34619,7 @@
               </a:rPr>
               <a:t>사용자 관심 제품 분석</a:t>
             </a:r>
-            <a:endParaRPr lang="ko-KR" altLang="en-US" sz="1400" cap="none" dirty="0" smtClean="0" b="1">
+            <a:endParaRPr lang="ko-KR" altLang="en-US" sz="2240" cap="none" dirty="0" smtClean="0" b="1">
               <a:solidFill>
                 <a:schemeClr val="bg1"/>
               </a:solidFill>
@@ -33435,7 +34628,7 @@
             </a:endParaRPr>
           </a:p>
           <a:p>
-            <a:pPr marL="228600" indent="-228600" algn="l" fontAlgn="auto" defTabSz="914400" eaLnBrk="0">
+            <a:pPr marL="228600" indent="-228600" algn="l" fontAlgn="auto" defTabSz="914400" eaLnBrk="0" latinLnBrk="0">
               <a:lnSpc>
                 <a:spcPct val="90000"/>
               </a:lnSpc>
@@ -33445,6 +34638,8 @@
               <a:spcAft>
                 <a:spcPts val="0"/>
               </a:spcAft>
+              <a:buFontTx/>
+              <a:buNone/>
             </a:pPr>
             <a:endParaRPr lang="ko-KR" altLang="en-US" sz="1200" cap="none" dirty="0" smtClean="0" b="1">
               <a:solidFill>
@@ -33465,19 +34660,19 @@
           <p:nvPr/>
         </p:nvSpPr>
         <p:spPr>
-          <a:xfrm rot="0">
+          <a:xfrm>
             <a:off x="1388110" y="3148965"/>
-            <a:ext cx="1870710" cy="1762760"/>
+            <a:ext cx="1871345" cy="1763395"/>
           </a:xfrm>
           <a:prstGeom prst="rect"/>
         </p:spPr>
         <p:txBody>
-          <a:bodyPr wrap="square" lIns="91440" tIns="45720" rIns="91440" bIns="45720" vert="horz" anchor="t">
+          <a:bodyPr wrap="square" lIns="91440" tIns="45720" rIns="91440" bIns="45720" numCol="1" vert="horz" anchor="t">
             <a:normAutofit fontScale="100000" lnSpcReduction="0"/>
           </a:bodyPr>
           <a:lstStyle/>
           <a:p>
-            <a:pPr marL="0" indent="0" algn="ctr" fontAlgn="auto" defTabSz="914400" eaLnBrk="0">
+            <a:pPr marL="0" indent="0" algn="ctr" fontAlgn="auto" defTabSz="914400" eaLnBrk="0" latinLnBrk="0">
               <a:lnSpc>
                 <a:spcPct val="90000"/>
               </a:lnSpc>
@@ -33509,7 +34704,7 @@
             </a:endParaRPr>
           </a:p>
           <a:p>
-            <a:pPr marL="228600" indent="-228600" algn="l" fontAlgn="auto" defTabSz="914400" eaLnBrk="0">
+            <a:pPr marL="254000" indent="-254000" algn="l" fontAlgn="auto" defTabSz="914400" eaLnBrk="0" latinLnBrk="0">
               <a:lnSpc>
                 <a:spcPct val="90000"/>
               </a:lnSpc>
@@ -33519,6 +34714,8 @@
               <a:spcAft>
                 <a:spcPts val="0"/>
               </a:spcAft>
+              <a:buFont typeface="Wingdings"/>
+              <a:buChar char=""/>
             </a:pPr>
             <a:r>
               <a:rPr lang="en-US" altLang="ko-KR" sz="1400" cap="none" dirty="0" smtClean="0" b="1">
@@ -33539,7 +34736,7 @@
             </a:endParaRPr>
           </a:p>
           <a:p>
-            <a:pPr marL="228600" indent="-228600" algn="l" fontAlgn="auto" defTabSz="914400" eaLnBrk="0">
+            <a:pPr marL="254000" indent="-254000" algn="l" fontAlgn="auto" defTabSz="914400" eaLnBrk="0" latinLnBrk="0">
               <a:lnSpc>
                 <a:spcPct val="90000"/>
               </a:lnSpc>
@@ -33549,6 +34746,8 @@
               <a:spcAft>
                 <a:spcPts val="0"/>
               </a:spcAft>
+              <a:buFont typeface="Wingdings"/>
+              <a:buChar char=""/>
             </a:pPr>
             <a:r>
               <a:rPr lang="en-US" altLang="ko-KR" sz="1400" cap="none" dirty="0" smtClean="0" b="1">
@@ -33569,7 +34768,7 @@
             </a:endParaRPr>
           </a:p>
           <a:p>
-            <a:pPr marL="228600" indent="-228600" algn="l" fontAlgn="auto" defTabSz="914400" eaLnBrk="0">
+            <a:pPr marL="254000" indent="-254000" algn="l" fontAlgn="auto" defTabSz="914400" eaLnBrk="0" latinLnBrk="0">
               <a:lnSpc>
                 <a:spcPct val="90000"/>
               </a:lnSpc>
@@ -33579,6 +34778,8 @@
               <a:spcAft>
                 <a:spcPts val="0"/>
               </a:spcAft>
+              <a:buFont typeface="Wingdings"/>
+              <a:buChar char=""/>
             </a:pPr>
             <a:r>
               <a:rPr lang="en-US" altLang="ko-KR" sz="1400" cap="none" dirty="0" smtClean="0" b="1">
@@ -33609,19 +34810,19 @@
           <p:nvPr/>
         </p:nvSpPr>
         <p:spPr>
-          <a:xfrm rot="0">
+          <a:xfrm>
             <a:off x="4862195" y="5118735"/>
-            <a:ext cx="2665730" cy="1397635"/>
+            <a:ext cx="2666365" cy="1398270"/>
           </a:xfrm>
           <a:prstGeom prst="rect"/>
         </p:spPr>
         <p:txBody>
-          <a:bodyPr wrap="square" lIns="91440" tIns="45720" rIns="91440" bIns="45720" vert="horz" anchor="t">
+          <a:bodyPr wrap="square" lIns="91440" tIns="45720" rIns="91440" bIns="45720" numCol="1" vert="horz" anchor="t">
             <a:normAutofit fontScale="100000" lnSpcReduction="0"/>
           </a:bodyPr>
           <a:lstStyle/>
           <a:p>
-            <a:pPr marL="0" indent="0" algn="ctr" fontAlgn="auto" defTabSz="914400" eaLnBrk="0">
+            <a:pPr marL="0" indent="0" algn="ctr" fontAlgn="auto" defTabSz="914400" eaLnBrk="0" latinLnBrk="0">
               <a:lnSpc>
                 <a:spcPct val="90000"/>
               </a:lnSpc>
@@ -33653,7 +34854,7 @@
             </a:endParaRPr>
           </a:p>
           <a:p>
-            <a:pPr marL="228600" indent="-228600" algn="l" fontAlgn="auto" defTabSz="914400" eaLnBrk="0">
+            <a:pPr marL="254000" indent="-254000" algn="l" fontAlgn="auto" defTabSz="914400" eaLnBrk="0" latinLnBrk="0">
               <a:lnSpc>
                 <a:spcPct val="90000"/>
               </a:lnSpc>
@@ -33663,6 +34864,8 @@
               <a:spcAft>
                 <a:spcPts val="0"/>
               </a:spcAft>
+              <a:buFont typeface="Wingdings"/>
+              <a:buChar char=""/>
             </a:pPr>
             <a:r>
               <a:rPr lang="en-US" altLang="ko-KR" sz="1400" cap="none" dirty="0" smtClean="0" b="1">
@@ -33683,7 +34886,7 @@
             </a:endParaRPr>
           </a:p>
           <a:p>
-            <a:pPr marL="228600" indent="-228600" algn="l" fontAlgn="auto" defTabSz="914400" eaLnBrk="0">
+            <a:pPr marL="254000" indent="-254000" algn="l" fontAlgn="auto" defTabSz="914400" eaLnBrk="0" latinLnBrk="0">
               <a:lnSpc>
                 <a:spcPct val="90000"/>
               </a:lnSpc>
@@ -33693,6 +34896,8 @@
               <a:spcAft>
                 <a:spcPts val="0"/>
               </a:spcAft>
+              <a:buFont typeface="Wingdings"/>
+              <a:buChar char=""/>
             </a:pPr>
             <a:r>
               <a:rPr lang="en-US" altLang="ko-KR" sz="1400" cap="none" dirty="0" smtClean="0" b="1">
@@ -33713,7 +34918,7 @@
             </a:endParaRPr>
           </a:p>
           <a:p>
-            <a:pPr marL="228600" indent="-228600" algn="l" fontAlgn="auto" defTabSz="914400" eaLnBrk="0">
+            <a:pPr marL="254000" indent="-254000" algn="l" fontAlgn="auto" defTabSz="914400" eaLnBrk="0" latinLnBrk="0">
               <a:lnSpc>
                 <a:spcPct val="90000"/>
               </a:lnSpc>
@@ -33723,6 +34928,8 @@
               <a:spcAft>
                 <a:spcPts val="0"/>
               </a:spcAft>
+              <a:buFont typeface="Wingdings"/>
+              <a:buChar char=""/>
             </a:pPr>
             <a:r>
               <a:rPr lang="en-US" altLang="ko-KR" sz="1400" cap="none" dirty="0" smtClean="0" b="1">
@@ -33755,13 +34962,13 @@
         <p:spPr>
           <a:xfrm rot="0">
             <a:off x="447040" y="1737360"/>
-            <a:ext cx="2786380" cy="4538345"/>
+            <a:ext cx="2787015" cy="4538980"/>
           </a:xfrm>
           <a:prstGeom prst="rect"/>
           <a:noFill/>
           <a:ln w="12700" cap="flat" cmpd="sng">
             <a:solidFill>
-              <a:schemeClr val="tx1">
+              <a:schemeClr val="bg1">
                 <a:alpha val="100000"/>
               </a:schemeClr>
             </a:solidFill>
@@ -33785,12 +34992,12 @@
           </a:fontRef>
         </p:style>
         <p:txBody>
-          <a:bodyPr wrap="square" lIns="91440" tIns="45720" rIns="91440" bIns="45720" vert="horz" anchor="ctr">
+          <a:bodyPr wrap="square" lIns="91440" tIns="45720" rIns="91440" bIns="45720" numCol="1" vert="horz" anchor="ctr">
             <a:noAutofit/>
           </a:bodyPr>
           <a:lstStyle/>
           <a:p>
-            <a:pPr marL="0" indent="0" algn="ctr" fontAlgn="auto" defTabSz="914400" eaLnBrk="0">
+            <a:pPr marL="0" indent="0" algn="ctr" fontAlgn="auto" defTabSz="914400" eaLnBrk="0" latinLnBrk="0">
               <a:lnSpc>
                 <a:spcPct val="100000"/>
               </a:lnSpc>
@@ -33821,13 +35028,13 @@
         </p:nvCxnSpPr>
         <p:spPr>
           <a:xfrm rot="0" flipV="1">
-            <a:off x="3317875" y="2520315"/>
-            <a:ext cx="3756025" cy="1407160"/>
+            <a:off x="3317875" y="2529205"/>
+            <a:ext cx="3566795" cy="1398905"/>
           </a:xfrm>
           <a:prstGeom prst="straightConnector1"/>
           <a:ln w="9525" cap="flat" cmpd="sng">
             <a:solidFill>
-              <a:schemeClr val="tx1">
+              <a:schemeClr val="bg1">
                 <a:alpha val="100000"/>
               </a:schemeClr>
             </a:solidFill>
@@ -33858,8 +35065,8 @@
         </p:nvCxnSpPr>
         <p:spPr>
           <a:xfrm rot="0" flipH="1">
-            <a:off x="6198235" y="2604135"/>
-            <a:ext cx="929005" cy="1726565"/>
+            <a:off x="6198235" y="2734945"/>
+            <a:ext cx="746125" cy="1596390"/>
           </a:xfrm>
           <a:prstGeom prst="straightConnector1"/>
           <a:ln w="9525" cap="flat" cmpd="sng">
@@ -33897,8 +35104,8 @@
         </p:nvCxnSpPr>
         <p:spPr>
           <a:xfrm rot="0" flipH="1">
-            <a:off x="2526030" y="2323465"/>
-            <a:ext cx="4556125" cy="410845"/>
+            <a:off x="2527300" y="2323465"/>
+            <a:ext cx="4357370" cy="410845"/>
           </a:xfrm>
           <a:prstGeom prst="straightConnector1"/>
           <a:ln w="9525" cap="flat" cmpd="sng">
@@ -33937,7 +35144,7 @@
         <p:spPr bwMode="auto">
           <a:xfrm rot="0">
             <a:off x="454025" y="782955"/>
-            <a:ext cx="2818765" cy="522604"/>
+            <a:ext cx="2818765" cy="522605"/>
           </a:xfrm>
           <a:prstGeom prst="rect"/>
           <a:noFill/>
@@ -34008,8 +35215,8 @@
 </p:sld>
 </file>
 
-<file path=ppt/slides/slide7.xml><?xml version="1.0" encoding="utf-8"?>
-<p:sld xmlns:a="http://schemas.openxmlformats.org/drawingml/2006/main" xmlns:r="http://schemas.openxmlformats.org/officeDocument/2006/relationships" xmlns:p="http://schemas.openxmlformats.org/presentationml/2006/main">
+<file path=ppt/slides/slide8.xml><?xml version="1.0" encoding="utf-8"?>
+<p:sld xmlns:a="http://schemas.openxmlformats.org/drawingml/2006/main" xmlns:r="http://schemas.openxmlformats.org/officeDocument/2006/relationships" xmlns:p="http://schemas.openxmlformats.org/presentationml/2006/main" xmlns:p14="http://schemas.microsoft.com/office/powerpoint/2010/main">
   <p:cSld>
     <p:spTree>
       <p:nvGrpSpPr>
@@ -34331,8 +35538,8 @@
           </p:nvSpPr>
           <p:spPr bwMode="auto">
             <a:xfrm rot="-8100000">
-              <a:off x="2909570" y="1763395"/>
-              <a:ext cx="440055" cy="480695"/>
+              <a:off x="2933700" y="1787525"/>
+              <a:ext cx="439420" cy="480060"/>
             </a:xfrm>
             <a:custGeom>
               <a:gdLst>
@@ -34670,10 +35877,10 @@
           </p:nvGrpSpPr>
           <p:grpSpPr>
             <a:xfrm rot="99900000">
-              <a:off x="2739390" y="2172335"/>
-              <a:ext cx="407035" cy="178435"/>
-              <a:chOff x="2739390" y="2172335"/>
-              <a:chExt cx="407035" cy="178435"/>
+              <a:off x="2692400" y="2125345"/>
+              <a:ext cx="406400" cy="177800"/>
+              <a:chOff x="2692400" y="2125345"/>
+              <a:chExt cx="406400" cy="177800"/>
             </a:xfrm>
           </p:grpSpPr>
           <p:sp>
@@ -34686,8 +35893,8 @@
             </p:nvSpPr>
             <p:spPr bwMode="auto">
               <a:xfrm rot="-8100000">
-                <a:off x="3089910" y="2316480"/>
-                <a:ext cx="73025" cy="635"/>
+                <a:off x="3028315" y="2305050"/>
+                <a:ext cx="73025" cy="0"/>
               </a:xfrm>
               <a:custGeom>
                 <a:gdLst>
@@ -34783,8 +35990,8 @@
             </p:nvSpPr>
             <p:spPr bwMode="auto">
               <a:xfrm rot="-8100000">
-                <a:off x="2903220" y="2265045"/>
-                <a:ext cx="635" cy="70485"/>
+                <a:off x="2894965" y="2124075"/>
+                <a:ext cx="0" cy="69850"/>
               </a:xfrm>
               <a:custGeom>
                 <a:gdLst>
@@ -34880,8 +36087,8 @@
             </p:nvSpPr>
             <p:spPr bwMode="auto">
               <a:xfrm rot="-8100000">
-                <a:off x="2988310" y="2316480"/>
-                <a:ext cx="51435" cy="51435"/>
+                <a:off x="2977515" y="2181860"/>
+                <a:ext cx="50800" cy="51435"/>
               </a:xfrm>
               <a:custGeom>
                 <a:gdLst>
@@ -34981,8 +36188,8 @@
             </p:nvSpPr>
             <p:spPr bwMode="auto">
               <a:xfrm rot="-8100000">
-                <a:off x="2851150" y="2080895"/>
-                <a:ext cx="73025" cy="635"/>
+                <a:off x="2692400" y="2301875"/>
+                <a:ext cx="72390" cy="635"/>
               </a:xfrm>
               <a:custGeom>
                 <a:gdLst>
@@ -35078,8 +36285,8 @@
             </p:nvSpPr>
             <p:spPr bwMode="auto">
               <a:xfrm rot="-8100000">
-                <a:off x="2840990" y="2168525"/>
-                <a:ext cx="51435" cy="50165"/>
+                <a:off x="2767330" y="2183765"/>
+                <a:ext cx="52070" cy="50165"/>
               </a:xfrm>
               <a:custGeom>
                 <a:gdLst>
@@ -35198,8 +36405,8 @@
 </p:sld>
 </file>
 
-<file path=ppt/slides/slide8.xml><?xml version="1.0" encoding="utf-8"?>
-<p:sld xmlns:a="http://schemas.openxmlformats.org/drawingml/2006/main" xmlns:r="http://schemas.openxmlformats.org/officeDocument/2006/relationships" xmlns:p="http://schemas.openxmlformats.org/presentationml/2006/main">
+<file path=ppt/slides/slide9.xml><?xml version="1.0" encoding="utf-8"?>
+<p:sld xmlns:a="http://schemas.openxmlformats.org/drawingml/2006/main" xmlns:r="http://schemas.openxmlformats.org/officeDocument/2006/relationships" xmlns:p="http://schemas.openxmlformats.org/presentationml/2006/main" xmlns:p14="http://schemas.microsoft.com/office/powerpoint/2010/main">
   <p:cSld>
     <p:spTree>
       <p:nvGrpSpPr>
@@ -35226,7 +36433,7 @@
         <p:spPr bwMode="auto">
           <a:xfrm rot="0">
             <a:off x="454025" y="782955"/>
-            <a:ext cx="2818765" cy="522604"/>
+            <a:ext cx="2818765" cy="522605"/>
           </a:xfrm>
           <a:prstGeom prst="rect"/>
           <a:noFill/>
@@ -35283,9 +36490,9 @@
           <p:nvPr/>
         </p:nvSpPr>
         <p:spPr bwMode="auto">
-          <a:xfrm rot="0">
+          <a:xfrm>
             <a:off x="454025" y="1420495"/>
-            <a:ext cx="8234045" cy="2022475"/>
+            <a:ext cx="8234680" cy="3051175"/>
           </a:xfrm>
           <a:prstGeom prst="rect"/>
           <a:noFill/>
@@ -35295,12 +36502,12 @@
           </a:ln>
         </p:spPr>
         <p:txBody>
-          <a:bodyPr wrap="square" lIns="91440" tIns="45720" rIns="91440" bIns="45720" vert="horz" anchor="t">
+          <a:bodyPr wrap="square" lIns="91440" tIns="45720" rIns="91440" bIns="45720" numCol="1" vert="horz" anchor="t">
             <a:spAutoFit/>
           </a:bodyPr>
           <a:lstStyle/>
           <a:p>
-            <a:pPr marL="0" indent="228600" algn="l" fontAlgn="auto" defTabSz="914400" eaLnBrk="0">
+            <a:pPr marL="0" indent="228600" algn="l" fontAlgn="auto" defTabSz="914400" eaLnBrk="0" latinLnBrk="0">
               <a:lnSpc>
                 <a:spcPct val="90000"/>
               </a:lnSpc>
@@ -35310,9 +36517,6 @@
               <a:spcAft>
                 <a:spcPts val="0"/>
               </a:spcAft>
-              <a:buClr>
-                <a:srgbClr val="FFFFFF"/>
-              </a:buClr>
               <a:buFont typeface="Arial"/>
               <a:buChar char="•"/>
             </a:pPr>
@@ -35335,7 +36539,7 @@
             </a:endParaRPr>
           </a:p>
           <a:p>
-            <a:pPr marL="0" indent="228600" algn="l" fontAlgn="auto" defTabSz="914400" eaLnBrk="0">
+            <a:pPr marL="0" indent="228600" algn="l" fontAlgn="auto" defTabSz="914400" eaLnBrk="0" latinLnBrk="0">
               <a:lnSpc>
                 <a:spcPct val="90000"/>
               </a:lnSpc>
@@ -35345,9 +36549,6 @@
               <a:spcAft>
                 <a:spcPts val="0"/>
               </a:spcAft>
-              <a:buClr>
-                <a:srgbClr val="FFFFFF"/>
-              </a:buClr>
               <a:buFont typeface="Arial"/>
               <a:buChar char="•"/>
             </a:pPr>
@@ -35370,7 +36571,7 @@
             </a:endParaRPr>
           </a:p>
           <a:p>
-            <a:pPr marL="0" indent="228600" algn="l" fontAlgn="auto" defTabSz="914400" eaLnBrk="0">
+            <a:pPr marL="0" indent="228600" algn="l" fontAlgn="auto" defTabSz="914400" eaLnBrk="0" latinLnBrk="0">
               <a:lnSpc>
                 <a:spcPct val="90000"/>
               </a:lnSpc>
@@ -35380,9 +36581,6 @@
               <a:spcAft>
                 <a:spcPts val="0"/>
               </a:spcAft>
-              <a:buClr>
-                <a:srgbClr val="FFFFFF"/>
-              </a:buClr>
               <a:buFont typeface="Arial"/>
               <a:buChar char="•"/>
             </a:pPr>
@@ -35405,7 +36603,7 @@
             </a:endParaRPr>
           </a:p>
           <a:p>
-            <a:pPr marL="0" indent="228600" algn="l" fontAlgn="auto" defTabSz="914400" eaLnBrk="0">
+            <a:pPr marL="0" indent="228600" algn="l" fontAlgn="auto" defTabSz="914400" eaLnBrk="0" latinLnBrk="0">
               <a:lnSpc>
                 <a:spcPct val="90000"/>
               </a:lnSpc>
@@ -35415,9 +36613,6 @@
               <a:spcAft>
                 <a:spcPts val="0"/>
               </a:spcAft>
-              <a:buClr>
-                <a:srgbClr val="FFFFFF"/>
-              </a:buClr>
               <a:buFont typeface="Arial"/>
               <a:buChar char="•"/>
             </a:pPr>
@@ -35439,1108 +36634,72 @@
               <a:ea typeface="맑은 고딕" charset="0"/>
             </a:endParaRPr>
           </a:p>
-        </p:txBody>
-      </p:sp>
-    </p:spTree>
-  </p:cSld>
-  <p:clrMapOvr>
-    <a:masterClrMapping/>
-  </p:clrMapOvr>
-  <mc:AlternateContent xmlns:mc="http://schemas.openxmlformats.org/markup-compatibility/2006">
-    <mc:Choice xmlns:p14="http://schemas.microsoft.com/office/powerpoint/2010/main" Requires="p14">
-      <p:transition spd="slow" p14:dur="700">
-        <p:fade/>
-      </p:transition>
-    </mc:Choice>
-    <mc:Fallback>
-      <p:transition spd="slow">
-        <p:fade/>
-      </p:transition>
-    </mc:Fallback>
-  </mc:AlternateContent>
-  <p:timing>
-    <p:tnLst>
-      <p:par>
-        <p:cTn id="1" dur="indefinite" restart="never" nodeType="tmRoot"/>
-      </p:par>
-    </p:tnLst>
-  </p:timing>
-</p:sld>
-</file>
-
-<file path=ppt/slides/slide9.xml><?xml version="1.0" encoding="utf-8"?>
-<p:sld xmlns:a="http://schemas.openxmlformats.org/drawingml/2006/main" xmlns:r="http://schemas.openxmlformats.org/officeDocument/2006/relationships" xmlns:p="http://schemas.openxmlformats.org/presentationml/2006/main" xmlns:p14="http://schemas.microsoft.com/office/powerpoint/2010/main">
-  <p:cSld>
-    <p:spTree>
-      <p:nvGrpSpPr>
-        <p:cNvPr id="1" name=""/>
-        <p:cNvGrpSpPr/>
-        <p:nvPr/>
-      </p:nvGrpSpPr>
-      <p:grpSpPr>
-        <a:xfrm>
-          <a:off x="0" y="0"/>
-          <a:ext cx="0" cy="0"/>
-          <a:chOff x="0" y="0"/>
-          <a:chExt cx="0" cy="0"/>
-        </a:xfrm>
-      </p:grpSpPr>
-      <p:grpSp>
-        <p:nvGrpSpPr>
-          <p:cNvPr id="7" name="그룹 6"/>
-          <p:cNvGrpSpPr/>
-          <p:nvPr/>
-        </p:nvGrpSpPr>
-        <p:grpSpPr>
-          <a:xfrm>
-            <a:off x="548640" y="3691890"/>
-            <a:ext cx="6216650" cy="1489075"/>
-            <a:chOff x="548640" y="3691890"/>
-            <a:chExt cx="6216650" cy="1489075"/>
-          </a:xfrm>
-        </p:grpSpPr>
-        <p:sp>
-          <p:nvSpPr>
-            <p:cNvPr id="9" name="TextBox 5"/>
-            <p:cNvSpPr txBox="1">
-              <a:spLocks/>
-            </p:cNvSpPr>
-            <p:nvPr/>
-          </p:nvSpPr>
-          <p:spPr bwMode="auto">
-            <a:xfrm rot="0">
-              <a:off x="548640" y="3691890"/>
-              <a:ext cx="6217285" cy="1016000"/>
-            </a:xfrm>
-            <a:prstGeom prst="rect"/>
-            <a:noFill/>
-            <a:ln w="0">
-              <a:noFill/>
-              <a:prstDash/>
-            </a:ln>
-          </p:spPr>
-          <p:txBody>
-            <a:bodyPr wrap="square" lIns="91440" tIns="45720" rIns="91440" bIns="45720" numCol="1" vert="horz" anchor="t">
-              <a:spAutoFit/>
-            </a:bodyPr>
-            <a:lstStyle/>
-            <a:p>
-              <a:pPr marL="0" indent="0" algn="l" fontAlgn="base" defTabSz="914400">
-                <a:lnSpc>
-                  <a:spcPct val="100000"/>
-                </a:lnSpc>
-                <a:spcBef>
-                  <a:spcPts val="0"/>
-                </a:spcBef>
-                <a:spcAft>
-                  <a:spcPts val="0"/>
-                </a:spcAft>
-                <a:buFontTx/>
-                <a:buNone/>
-              </a:pPr>
-              <a:r>
-                <a:rPr lang="en-US" altLang="ko-KR" sz="6000" cap="none" spc="-150" dirty="0" smtClean="0" b="0">
-                  <a:solidFill>
-                    <a:srgbClr val="4591F2"/>
-                  </a:solidFill>
-                  <a:latin typeface="Arial Black" charset="0"/>
-                  <a:ea typeface="Arial Black" charset="0"/>
-                </a:rPr>
-                <a:t>THANK YOU</a:t>
-              </a:r>
-              <a:endParaRPr lang="ko-KR" altLang="en-US" sz="6000" cap="none" dirty="0" smtClean="0" b="0">
+          <a:p>
+            <a:pPr marL="0" indent="228600" algn="l" fontAlgn="auto" defTabSz="914400" eaLnBrk="0" latinLnBrk="0">
+              <a:lnSpc>
+                <a:spcPct val="90000"/>
+              </a:lnSpc>
+              <a:spcBef>
+                <a:spcPts val="1000"/>
+              </a:spcBef>
+              <a:spcAft>
+                <a:spcPts val="0"/>
+              </a:spcAft>
+              <a:buFont typeface="Arial"/>
+              <a:buChar char="•"/>
+            </a:pPr>
+            <a:r>
+              <a:rPr lang="en-US" altLang="ko-KR" sz="2800" cap="none" spc="-150" dirty="0" smtClean="0" b="1">
                 <a:solidFill>
-                  <a:srgbClr val="4591F2"/>
-                </a:solidFill>
-                <a:latin typeface="Arial Black" charset="0"/>
-                <a:ea typeface="Arial Black" charset="0"/>
-              </a:endParaRPr>
-            </a:p>
-          </p:txBody>
-        </p:sp>
-        <p:sp>
-          <p:nvSpPr>
-            <p:cNvPr id="10" name="제목 2"/>
-            <p:cNvSpPr txBox="1">
-              <a:spLocks/>
-            </p:cNvSpPr>
-            <p:nvPr/>
-          </p:nvSpPr>
-          <p:spPr bwMode="auto">
-            <a:xfrm rot="0">
-              <a:off x="548640" y="4811395"/>
-              <a:ext cx="5039360" cy="368935"/>
-            </a:xfrm>
-            <a:prstGeom prst="rect"/>
-            <a:noFill/>
-            <a:ln w="0">
-              <a:noFill/>
-              <a:prstDash/>
-            </a:ln>
-          </p:spPr>
-          <p:txBody>
-            <a:bodyPr wrap="square" lIns="91440" tIns="45720" rIns="91440" bIns="45720" numCol="1" vert="horz" anchor="ctr">
-              <a:spAutoFit/>
-            </a:bodyPr>
-            <a:lstStyle/>
-            <a:p>
-              <a:pPr marL="0" indent="0" algn="l" fontAlgn="base" defTabSz="914400" eaLnBrk="0">
-                <a:lnSpc>
-                  <a:spcPct val="100000"/>
-                </a:lnSpc>
-                <a:spcBef>
-                  <a:spcPts val="0"/>
-                </a:spcBef>
-                <a:spcAft>
-                  <a:spcPts val="0"/>
-                </a:spcAft>
-                <a:buFontTx/>
-                <a:buNone/>
-              </a:pPr>
-              <a:r>
-                <a:rPr lang="en-US" altLang="ko-KR" sz="1800" cap="none" dirty="0" smtClean="0" b="1">
-                  <a:solidFill>
-                    <a:schemeClr val="bg1"/>
-                  </a:solidFill>
-                  <a:latin typeface="맑은 고딕" charset="0"/>
-                  <a:ea typeface="맑은 고딕" charset="0"/>
-                </a:rPr>
-                <a:t>감사합니다!</a:t>
-              </a:r>
-              <a:endParaRPr lang="ko-KR" altLang="en-US" sz="1800" cap="none" dirty="0" smtClean="0" b="1">
-                <a:solidFill>
-                  <a:schemeClr val="bg1"/>
+                  <a:srgbClr val="FFFFFF"/>
                 </a:solidFill>
                 <a:latin typeface="맑은 고딕" charset="0"/>
                 <a:ea typeface="맑은 고딕" charset="0"/>
-              </a:endParaRPr>
-            </a:p>
-          </p:txBody>
-        </p:sp>
-      </p:grpSp>
-      <p:grpSp>
-        <p:nvGrpSpPr>
-          <p:cNvPr id="13" name="그룹 12"/>
-          <p:cNvGrpSpPr/>
-          <p:nvPr/>
-        </p:nvGrpSpPr>
-        <p:grpSpPr>
-          <a:xfrm>
-            <a:off x="0" y="0"/>
-            <a:ext cx="323850" cy="6858000"/>
-            <a:chOff x="0" y="0"/>
-            <a:chExt cx="323850" cy="6858000"/>
-          </a:xfrm>
-        </p:grpSpPr>
-        <p:sp>
-          <p:nvSpPr>
-            <p:cNvPr id="14" name="직사각형 13"/>
-            <p:cNvSpPr/>
-            <p:nvPr/>
-          </p:nvSpPr>
-          <p:spPr>
-            <a:xfrm>
-              <a:off x="0" y="0"/>
-              <a:ext cx="323850" cy="6858000"/>
-            </a:xfrm>
-            <a:prstGeom prst="rect">
-              <a:avLst/>
-            </a:prstGeom>
-            <a:solidFill>
-              <a:srgbClr val="4591F2"/>
-            </a:solidFill>
-            <a:ln>
-              <a:noFill/>
-            </a:ln>
-          </p:spPr>
-          <p:style>
-            <a:lnRef idx="2">
-              <a:schemeClr val="accent1">
-                <a:shade val="50000"/>
-              </a:schemeClr>
-            </a:lnRef>
-            <a:fillRef idx="1">
-              <a:schemeClr val="accent1"/>
-            </a:fillRef>
-            <a:effectRef idx="0">
-              <a:schemeClr val="accent1"/>
-            </a:effectRef>
-            <a:fontRef idx="minor">
-              <a:schemeClr val="lt1"/>
-            </a:fontRef>
-          </p:style>
-          <p:txBody>
-            <a:bodyPr rtlCol="0" anchor="ctr"/>
-            <a:lstStyle/>
-            <a:p>
-              <a:pPr algn="ctr"/>
-              <a:endParaRPr lang="ko-KR" altLang="en-US"/>
-            </a:p>
-          </p:txBody>
-        </p:sp>
-        <p:sp>
-          <p:nvSpPr>
-            <p:cNvPr id="15" name="직사각형 14"/>
-            <p:cNvSpPr/>
-            <p:nvPr/>
-          </p:nvSpPr>
-          <p:spPr>
-            <a:xfrm>
-              <a:off x="0" y="3876675"/>
-              <a:ext cx="323850" cy="1534160"/>
-            </a:xfrm>
-            <a:prstGeom prst="rect">
-              <a:avLst/>
-            </a:prstGeom>
-            <a:solidFill>
-              <a:srgbClr val="7DD5C9"/>
-            </a:solidFill>
-            <a:ln>
-              <a:noFill/>
-            </a:ln>
-          </p:spPr>
-          <p:style>
-            <a:lnRef idx="2">
-              <a:schemeClr val="accent1">
-                <a:shade val="50000"/>
-              </a:schemeClr>
-            </a:lnRef>
-            <a:fillRef idx="1">
-              <a:schemeClr val="accent1"/>
-            </a:fillRef>
-            <a:effectRef idx="0">
-              <a:schemeClr val="accent1"/>
-            </a:effectRef>
-            <a:fontRef idx="minor">
-              <a:schemeClr val="lt1"/>
-            </a:fontRef>
-          </p:style>
-          <p:txBody>
-            <a:bodyPr rtlCol="0" anchor="ctr"/>
-            <a:lstStyle/>
-            <a:p>
-              <a:pPr algn="ctr"/>
-              <a:endParaRPr lang="ko-KR" altLang="en-US"/>
-            </a:p>
-          </p:txBody>
-        </p:sp>
-      </p:grpSp>
-      <p:grpSp>
-        <p:nvGrpSpPr>
-          <p:cNvPr id="12" name="그룹 11"/>
-          <p:cNvGrpSpPr/>
-          <p:nvPr/>
-        </p:nvGrpSpPr>
-        <p:grpSpPr>
-          <a:xfrm rot="13500000" flipH="1">
-            <a:off x="5695950" y="3297555"/>
-            <a:ext cx="474345" cy="646430"/>
-            <a:chOff x="5695950" y="3297555"/>
-            <a:chExt cx="474345" cy="646430"/>
-          </a:xfrm>
-        </p:grpSpPr>
-        <p:sp>
-          <p:nvSpPr>
-            <p:cNvPr id="16" name="Freeform 5"/>
-            <p:cNvSpPr>
-              <a:spLocks/>
-            </p:cNvSpPr>
-            <p:nvPr/>
-          </p:nvSpPr>
-          <p:spPr bwMode="auto">
-            <a:xfrm>
-              <a:off x="5782310" y="3335020"/>
-              <a:ext cx="439420" cy="480695"/>
-            </a:xfrm>
-            <a:custGeom>
-              <a:avLst/>
-              <a:gdLst>
-                <a:gd name="T0" fmla="*/ 1620 w 1620"/>
-                <a:gd name="T1" fmla="*/ 975 h 1774"/>
-                <a:gd name="T2" fmla="*/ 1484 w 1620"/>
-                <a:gd name="T3" fmla="*/ 844 h 1774"/>
-                <a:gd name="T4" fmla="*/ 1469 w 1620"/>
-                <a:gd name="T5" fmla="*/ 844 h 1774"/>
-                <a:gd name="T6" fmla="*/ 1335 w 1620"/>
-                <a:gd name="T7" fmla="*/ 955 h 1774"/>
-                <a:gd name="T8" fmla="*/ 1335 w 1620"/>
-                <a:gd name="T9" fmla="*/ 835 h 1774"/>
-                <a:gd name="T10" fmla="*/ 1199 w 1620"/>
-                <a:gd name="T11" fmla="*/ 703 h 1774"/>
-                <a:gd name="T12" fmla="*/ 1184 w 1620"/>
-                <a:gd name="T13" fmla="*/ 703 h 1774"/>
-                <a:gd name="T14" fmla="*/ 1050 w 1620"/>
-                <a:gd name="T15" fmla="*/ 815 h 1774"/>
-                <a:gd name="T16" fmla="*/ 1050 w 1620"/>
-                <a:gd name="T17" fmla="*/ 690 h 1774"/>
-                <a:gd name="T18" fmla="*/ 914 w 1620"/>
-                <a:gd name="T19" fmla="*/ 558 h 1774"/>
-                <a:gd name="T20" fmla="*/ 899 w 1620"/>
-                <a:gd name="T21" fmla="*/ 558 h 1774"/>
-                <a:gd name="T22" fmla="*/ 765 w 1620"/>
-                <a:gd name="T23" fmla="*/ 670 h 1774"/>
-                <a:gd name="T24" fmla="*/ 765 w 1620"/>
-                <a:gd name="T25" fmla="*/ 132 h 1774"/>
-                <a:gd name="T26" fmla="*/ 629 w 1620"/>
-                <a:gd name="T27" fmla="*/ 0 h 1774"/>
-                <a:gd name="T28" fmla="*/ 614 w 1620"/>
-                <a:gd name="T29" fmla="*/ 0 h 1774"/>
-                <a:gd name="T30" fmla="*/ 478 w 1620"/>
-                <a:gd name="T31" fmla="*/ 132 h 1774"/>
-                <a:gd name="T32" fmla="*/ 478 w 1620"/>
-                <a:gd name="T33" fmla="*/ 1298 h 1774"/>
-                <a:gd name="T34" fmla="*/ 255 w 1620"/>
-                <a:gd name="T35" fmla="*/ 1082 h 1774"/>
-                <a:gd name="T36" fmla="*/ 63 w 1620"/>
-                <a:gd name="T37" fmla="*/ 1082 h 1774"/>
-                <a:gd name="T38" fmla="*/ 53 w 1620"/>
-                <a:gd name="T39" fmla="*/ 1092 h 1774"/>
-                <a:gd name="T40" fmla="*/ 53 w 1620"/>
-                <a:gd name="T41" fmla="*/ 1279 h 1774"/>
-                <a:gd name="T42" fmla="*/ 470 w 1620"/>
-                <a:gd name="T43" fmla="*/ 1737 h 1774"/>
-                <a:gd name="T44" fmla="*/ 552 w 1620"/>
-                <a:gd name="T45" fmla="*/ 1774 h 1774"/>
-                <a:gd name="T46" fmla="*/ 1511 w 1620"/>
-                <a:gd name="T47" fmla="*/ 1774 h 1774"/>
-                <a:gd name="T48" fmla="*/ 1618 w 1620"/>
-                <a:gd name="T49" fmla="*/ 1671 h 1774"/>
-                <a:gd name="T50" fmla="*/ 1618 w 1620"/>
-                <a:gd name="T51" fmla="*/ 1668 h 1774"/>
-                <a:gd name="T52" fmla="*/ 1620 w 1620"/>
-                <a:gd name="T53" fmla="*/ 1668 h 1774"/>
-                <a:gd name="T54" fmla="*/ 1620 w 1620"/>
-                <a:gd name="T55" fmla="*/ 975 h 1774"/>
-              </a:gdLst>
-              <a:ahLst/>
-              <a:cxnLst>
-                <a:cxn ang="0">
-                  <a:pos x="T0" y="T1"/>
-                </a:cxn>
-                <a:cxn ang="0">
-                  <a:pos x="T2" y="T3"/>
-                </a:cxn>
-                <a:cxn ang="0">
-                  <a:pos x="T4" y="T5"/>
-                </a:cxn>
-                <a:cxn ang="0">
-                  <a:pos x="T6" y="T7"/>
-                </a:cxn>
-                <a:cxn ang="0">
-                  <a:pos x="T8" y="T9"/>
-                </a:cxn>
-                <a:cxn ang="0">
-                  <a:pos x="T10" y="T11"/>
-                </a:cxn>
-                <a:cxn ang="0">
-                  <a:pos x="T12" y="T13"/>
-                </a:cxn>
-                <a:cxn ang="0">
-                  <a:pos x="T14" y="T15"/>
-                </a:cxn>
-                <a:cxn ang="0">
-                  <a:pos x="T16" y="T17"/>
-                </a:cxn>
-                <a:cxn ang="0">
-                  <a:pos x="T18" y="T19"/>
-                </a:cxn>
-                <a:cxn ang="0">
-                  <a:pos x="T20" y="T21"/>
-                </a:cxn>
-                <a:cxn ang="0">
-                  <a:pos x="T22" y="T23"/>
-                </a:cxn>
-                <a:cxn ang="0">
-                  <a:pos x="T24" y="T25"/>
-                </a:cxn>
-                <a:cxn ang="0">
-                  <a:pos x="T26" y="T27"/>
-                </a:cxn>
-                <a:cxn ang="0">
-                  <a:pos x="T28" y="T29"/>
-                </a:cxn>
-                <a:cxn ang="0">
-                  <a:pos x="T30" y="T31"/>
-                </a:cxn>
-                <a:cxn ang="0">
-                  <a:pos x="T32" y="T33"/>
-                </a:cxn>
-                <a:cxn ang="0">
-                  <a:pos x="T34" y="T35"/>
-                </a:cxn>
-                <a:cxn ang="0">
-                  <a:pos x="T36" y="T37"/>
-                </a:cxn>
-                <a:cxn ang="0">
-                  <a:pos x="T38" y="T39"/>
-                </a:cxn>
-                <a:cxn ang="0">
-                  <a:pos x="T40" y="T41"/>
-                </a:cxn>
-                <a:cxn ang="0">
-                  <a:pos x="T42" y="T43"/>
-                </a:cxn>
-                <a:cxn ang="0">
-                  <a:pos x="T44" y="T45"/>
-                </a:cxn>
-                <a:cxn ang="0">
-                  <a:pos x="T46" y="T47"/>
-                </a:cxn>
-                <a:cxn ang="0">
-                  <a:pos x="T48" y="T49"/>
-                </a:cxn>
-                <a:cxn ang="0">
-                  <a:pos x="T50" y="T51"/>
-                </a:cxn>
-                <a:cxn ang="0">
-                  <a:pos x="T52" y="T53"/>
-                </a:cxn>
-                <a:cxn ang="0">
-                  <a:pos x="T54" y="T55"/>
-                </a:cxn>
-              </a:cxnLst>
-              <a:rect l="0" t="0" r="r" b="b"/>
-              <a:pathLst>
-                <a:path w="1620" h="1774">
-                  <a:moveTo>
-                    <a:pt x="1620" y="975"/>
-                  </a:moveTo>
-                  <a:cubicBezTo>
-                    <a:pt x="1620" y="903"/>
-                    <a:pt x="1559" y="844"/>
-                    <a:pt x="1484" y="844"/>
-                  </a:cubicBezTo>
-                  <a:cubicBezTo>
-                    <a:pt x="1469" y="844"/>
-                    <a:pt x="1469" y="844"/>
-                    <a:pt x="1469" y="844"/>
-                  </a:cubicBezTo>
-                  <a:cubicBezTo>
-                    <a:pt x="1401" y="844"/>
-                    <a:pt x="1345" y="892"/>
-                    <a:pt x="1335" y="955"/>
-                  </a:cubicBezTo>
-                  <a:cubicBezTo>
-                    <a:pt x="1335" y="835"/>
-                    <a:pt x="1335" y="835"/>
-                    <a:pt x="1335" y="835"/>
-                  </a:cubicBezTo>
-                  <a:cubicBezTo>
-                    <a:pt x="1335" y="762"/>
-                    <a:pt x="1274" y="703"/>
-                    <a:pt x="1199" y="703"/>
-                  </a:cubicBezTo>
-                  <a:cubicBezTo>
-                    <a:pt x="1184" y="703"/>
-                    <a:pt x="1184" y="703"/>
-                    <a:pt x="1184" y="703"/>
-                  </a:cubicBezTo>
-                  <a:cubicBezTo>
-                    <a:pt x="1116" y="703"/>
-                    <a:pt x="1060" y="751"/>
-                    <a:pt x="1050" y="815"/>
-                  </a:cubicBezTo>
-                  <a:cubicBezTo>
-                    <a:pt x="1050" y="690"/>
-                    <a:pt x="1050" y="690"/>
-                    <a:pt x="1050" y="690"/>
-                  </a:cubicBezTo>
-                  <a:cubicBezTo>
-                    <a:pt x="1050" y="617"/>
-                    <a:pt x="989" y="558"/>
-                    <a:pt x="914" y="558"/>
-                  </a:cubicBezTo>
-                  <a:cubicBezTo>
-                    <a:pt x="899" y="558"/>
-                    <a:pt x="899" y="558"/>
-                    <a:pt x="899" y="558"/>
-                  </a:cubicBezTo>
-                  <a:cubicBezTo>
-                    <a:pt x="831" y="558"/>
-                    <a:pt x="775" y="607"/>
-                    <a:pt x="765" y="670"/>
-                  </a:cubicBezTo>
-                  <a:cubicBezTo>
-                    <a:pt x="765" y="132"/>
-                    <a:pt x="765" y="132"/>
-                    <a:pt x="765" y="132"/>
-                  </a:cubicBezTo>
-                  <a:cubicBezTo>
-                    <a:pt x="765" y="59"/>
-                    <a:pt x="704" y="0"/>
-                    <a:pt x="629" y="0"/>
-                  </a:cubicBezTo>
-                  <a:cubicBezTo>
-                    <a:pt x="614" y="0"/>
-                    <a:pt x="614" y="0"/>
-                    <a:pt x="614" y="0"/>
-                  </a:cubicBezTo>
-                  <a:cubicBezTo>
-                    <a:pt x="539" y="0"/>
-                    <a:pt x="478" y="59"/>
-                    <a:pt x="478" y="132"/>
-                  </a:cubicBezTo>
-                  <a:cubicBezTo>
-                    <a:pt x="478" y="1298"/>
-                    <a:pt x="478" y="1298"/>
-                    <a:pt x="478" y="1298"/>
-                  </a:cubicBezTo>
-                  <a:cubicBezTo>
-                    <a:pt x="255" y="1082"/>
-                    <a:pt x="255" y="1082"/>
-                    <a:pt x="255" y="1082"/>
-                  </a:cubicBezTo>
-                  <a:cubicBezTo>
-                    <a:pt x="202" y="1030"/>
-                    <a:pt x="116" y="1030"/>
-                    <a:pt x="63" y="1082"/>
-                  </a:cubicBezTo>
-                  <a:cubicBezTo>
-                    <a:pt x="53" y="1092"/>
-                    <a:pt x="53" y="1092"/>
-                    <a:pt x="53" y="1092"/>
-                  </a:cubicBezTo>
-                  <a:cubicBezTo>
-                    <a:pt x="0" y="1144"/>
-                    <a:pt x="0" y="1227"/>
-                    <a:pt x="53" y="1279"/>
-                  </a:cubicBezTo>
-                  <a:cubicBezTo>
-                    <a:pt x="470" y="1737"/>
-                    <a:pt x="470" y="1737"/>
-                    <a:pt x="470" y="1737"/>
-                  </a:cubicBezTo>
-                  <a:cubicBezTo>
-                    <a:pt x="490" y="1760"/>
-                    <a:pt x="519" y="1774"/>
-                    <a:pt x="552" y="1774"/>
-                  </a:cubicBezTo>
-                  <a:cubicBezTo>
-                    <a:pt x="1511" y="1774"/>
-                    <a:pt x="1511" y="1774"/>
-                    <a:pt x="1511" y="1774"/>
-                  </a:cubicBezTo>
-                  <a:cubicBezTo>
-                    <a:pt x="1570" y="1774"/>
-                    <a:pt x="1618" y="1728"/>
-                    <a:pt x="1618" y="1671"/>
-                  </a:cubicBezTo>
-                  <a:cubicBezTo>
-                    <a:pt x="1618" y="1670"/>
-                    <a:pt x="1618" y="1669"/>
-                    <a:pt x="1618" y="1668"/>
-                  </a:cubicBezTo>
-                  <a:cubicBezTo>
-                    <a:pt x="1620" y="1668"/>
-                    <a:pt x="1620" y="1668"/>
-                    <a:pt x="1620" y="1668"/>
-                  </a:cubicBezTo>
-                  <a:lnTo>
-                    <a:pt x="1620" y="975"/>
-                  </a:lnTo>
-                  <a:close/>
-                </a:path>
-              </a:pathLst>
-            </a:custGeom>
-            <a:noFill/>
-            <a:ln w="28575" cap="rnd">
+              </a:rPr>
+              <a:t>HTML</a:t>
+            </a:r>
+            <a:endParaRPr lang="ko-KR" altLang="en-US" sz="2800" cap="none" dirty="0" smtClean="0" b="1">
               <a:solidFill>
-                <a:srgbClr val="4591F2"/>
+                <a:srgbClr val="FFFFFF"/>
               </a:solidFill>
-              <a:prstDash val="solid"/>
-              <a:round/>
-              <a:headEnd/>
-              <a:tailEnd/>
-            </a:ln>
-            <a:extLst>
-              <a:ext uri="{909E8E84-426E-40DD-AFC4-6F175D3DCCD1}">
-                <a14:hiddenFill xmlns:a14="http://schemas.microsoft.com/office/drawing/2010/main">
-                  <a:solidFill>
-                    <a:srgbClr val="FFFFFF"/>
-                  </a:solidFill>
-                </a14:hiddenFill>
-              </a:ext>
-            </a:extLst>
-          </p:spPr>
-          <p:txBody>
-            <a:bodyPr vert="horz" wrap="square" lIns="91440" tIns="45720" rIns="91440" bIns="45720" numCol="1" anchor="t" anchorCtr="0" compatLnSpc="1">
-              <a:prstTxWarp prst="textNoShape">
-                <a:avLst/>
-              </a:prstTxWarp>
-            </a:bodyPr>
-            <a:lstStyle/>
-            <a:p>
-              <a:endParaRPr lang="ko-KR" altLang="en-US"/>
-            </a:p>
-          </p:txBody>
-        </p:sp>
-        <p:grpSp>
-          <p:nvGrpSpPr>
-            <p:cNvPr id="17" name="그룹 16"/>
-            <p:cNvGrpSpPr/>
-            <p:nvPr/>
-          </p:nvGrpSpPr>
-          <p:grpSpPr>
-            <a:xfrm>
-              <a:off x="5540375" y="3674110"/>
-              <a:ext cx="406400" cy="177800"/>
-              <a:chOff x="5540375" y="3674110"/>
-              <a:chExt cx="406400" cy="177800"/>
-            </a:xfrm>
-          </p:grpSpPr>
-          <p:sp>
-            <p:nvSpPr>
-              <p:cNvPr id="18" name="Freeform 6"/>
-              <p:cNvSpPr>
-                <a:spLocks/>
-              </p:cNvSpPr>
-              <p:nvPr/>
-            </p:nvSpPr>
-            <p:spPr bwMode="auto">
-              <a:xfrm>
-                <a:off x="5652135" y="3582035"/>
-                <a:ext cx="72390" cy="0"/>
-              </a:xfrm>
-              <a:custGeom>
-                <a:avLst/>
-                <a:gdLst>
-                  <a:gd name="T0" fmla="*/ 232 w 232"/>
-                  <a:gd name="T1" fmla="*/ 232 w 232"/>
-                  <a:gd name="T2" fmla="*/ 0 w 232"/>
-                  <a:gd name="T3" fmla="*/ 232 w 232"/>
-                </a:gdLst>
-                <a:ahLst/>
-                <a:cxnLst>
-                  <a:cxn ang="0">
-                    <a:pos x="T0" y="0"/>
-                  </a:cxn>
-                  <a:cxn ang="0">
-                    <a:pos x="T1" y="0"/>
-                  </a:cxn>
-                  <a:cxn ang="0">
-                    <a:pos x="T2" y="0"/>
-                  </a:cxn>
-                  <a:cxn ang="0">
-                    <a:pos x="T3" y="0"/>
-                  </a:cxn>
-                </a:cxnLst>
-                <a:rect l="0" t="0" r="r" b="b"/>
-                <a:pathLst>
-                  <a:path w="232">
-                    <a:moveTo>
-                      <a:pt x="232" y="0"/>
-                    </a:moveTo>
-                    <a:lnTo>
-                      <a:pt x="232" y="0"/>
-                    </a:lnTo>
-                    <a:lnTo>
-                      <a:pt x="0" y="0"/>
-                    </a:lnTo>
-                    <a:lnTo>
-                      <a:pt x="232" y="0"/>
-                    </a:lnTo>
-                    <a:close/>
-                  </a:path>
-                </a:pathLst>
-              </a:custGeom>
-              <a:noFill/>
-              <a:ln w="28575" cap="rnd">
+              <a:latin typeface="맑은 고딕" charset="0"/>
+              <a:ea typeface="맑은 고딕" charset="0"/>
+            </a:endParaRPr>
+          </a:p>
+          <a:p>
+            <a:pPr marL="0" indent="228600" algn="l" fontAlgn="auto" defTabSz="914400" eaLnBrk="0" latinLnBrk="0">
+              <a:lnSpc>
+                <a:spcPct val="90000"/>
+              </a:lnSpc>
+              <a:spcBef>
+                <a:spcPts val="1000"/>
+              </a:spcBef>
+              <a:spcAft>
+                <a:spcPts val="0"/>
+              </a:spcAft>
+              <a:buFont typeface="Arial"/>
+              <a:buChar char="•"/>
+            </a:pPr>
+            <a:r>
+              <a:rPr lang="en-US" altLang="ko-KR" sz="2800" cap="none" spc="-150" dirty="0" smtClean="0" b="1">
                 <a:solidFill>
-                  <a:srgbClr val="7DD5C9"/>
+                  <a:srgbClr val="FFFFFF"/>
                 </a:solidFill>
-                <a:prstDash val="solid"/>
-                <a:round/>
-                <a:headEnd/>
-                <a:tailEnd/>
-              </a:ln>
-              <a:extLst>
-                <a:ext uri="{909E8E84-426E-40DD-AFC4-6F175D3DCCD1}">
-                  <a14:hiddenFill xmlns:a14="http://schemas.microsoft.com/office/drawing/2010/main">
-                    <a:solidFill>
-                      <a:srgbClr val="FFFFFF"/>
-                    </a:solidFill>
-                  </a14:hiddenFill>
-                </a:ext>
-              </a:extLst>
-            </p:spPr>
-            <p:txBody>
-              <a:bodyPr vert="horz" wrap="square" lIns="91440" tIns="45720" rIns="91440" bIns="45720" numCol="1" anchor="t" anchorCtr="0" compatLnSpc="1">
-                <a:prstTxWarp prst="textNoShape">
-                  <a:avLst/>
-                </a:prstTxWarp>
-              </a:bodyPr>
-              <a:lstStyle/>
-              <a:p>
-                <a:endParaRPr lang="ko-KR" altLang="en-US"/>
-              </a:p>
-            </p:txBody>
-          </p:sp>
-          <p:sp>
-            <p:nvSpPr>
-              <p:cNvPr id="19" name="Freeform 7"/>
-              <p:cNvSpPr>
-                <a:spLocks/>
-              </p:cNvSpPr>
-              <p:nvPr/>
-            </p:nvSpPr>
-            <p:spPr bwMode="auto">
-              <a:xfrm>
-                <a:off x="5705475" y="3766185"/>
-                <a:ext cx="0" cy="69850"/>
-              </a:xfrm>
-              <a:custGeom>
-                <a:avLst/>
-                <a:gdLst>
-                  <a:gd name="T0" fmla="*/ 0 h 225"/>
-                  <a:gd name="T1" fmla="*/ 0 h 225"/>
-                  <a:gd name="T2" fmla="*/ 225 h 225"/>
-                  <a:gd name="T3" fmla="*/ 0 h 225"/>
-                </a:gdLst>
-                <a:ahLst/>
-                <a:cxnLst>
-                  <a:cxn ang="0">
-                    <a:pos x="0" y="T0"/>
-                  </a:cxn>
-                  <a:cxn ang="0">
-                    <a:pos x="0" y="T1"/>
-                  </a:cxn>
-                  <a:cxn ang="0">
-                    <a:pos x="0" y="T2"/>
-                  </a:cxn>
-                  <a:cxn ang="0">
-                    <a:pos x="0" y="T3"/>
-                  </a:cxn>
-                </a:cxnLst>
-                <a:rect l="0" t="0" r="r" b="b"/>
-                <a:pathLst>
-                  <a:path h="225">
-                    <a:moveTo>
-                      <a:pt x="0" y="0"/>
-                    </a:moveTo>
-                    <a:lnTo>
-                      <a:pt x="0" y="0"/>
-                    </a:lnTo>
-                    <a:lnTo>
-                      <a:pt x="0" y="225"/>
-                    </a:lnTo>
-                    <a:lnTo>
-                      <a:pt x="0" y="0"/>
-                    </a:lnTo>
-                    <a:close/>
-                  </a:path>
-                </a:pathLst>
-              </a:custGeom>
-              <a:noFill/>
-              <a:ln w="28575" cap="rnd">
-                <a:solidFill>
-                  <a:srgbClr val="7DD5C9"/>
-                </a:solidFill>
-                <a:prstDash val="solid"/>
-                <a:round/>
-                <a:headEnd/>
-                <a:tailEnd/>
-              </a:ln>
-              <a:extLst>
-                <a:ext uri="{909E8E84-426E-40DD-AFC4-6F175D3DCCD1}">
-                  <a14:hiddenFill xmlns:a14="http://schemas.microsoft.com/office/drawing/2010/main">
-                    <a:solidFill>
-                      <a:srgbClr val="FFFFFF"/>
-                    </a:solidFill>
-                  </a14:hiddenFill>
-                </a:ext>
-              </a:extLst>
-            </p:spPr>
-            <p:txBody>
-              <a:bodyPr vert="horz" wrap="square" lIns="91440" tIns="45720" rIns="91440" bIns="45720" numCol="1" anchor="t" anchorCtr="0" compatLnSpc="1">
-                <a:prstTxWarp prst="textNoShape">
-                  <a:avLst/>
-                </a:prstTxWarp>
-              </a:bodyPr>
-              <a:lstStyle/>
-              <a:p>
-                <a:endParaRPr lang="ko-KR" altLang="en-US"/>
-              </a:p>
-            </p:txBody>
-          </p:sp>
-          <p:sp>
-            <p:nvSpPr>
-              <p:cNvPr id="20" name="Freeform 8"/>
-              <p:cNvSpPr>
-                <a:spLocks/>
-              </p:cNvSpPr>
-              <p:nvPr/>
-            </p:nvSpPr>
-            <p:spPr bwMode="auto">
-              <a:xfrm>
-                <a:off x="5636895" y="3666490"/>
-                <a:ext cx="52070" cy="50800"/>
-              </a:xfrm>
-              <a:custGeom>
-                <a:avLst/>
-                <a:gdLst>
-                  <a:gd name="T0" fmla="*/ 188 w 188"/>
-                  <a:gd name="T1" fmla="*/ 182 h 182"/>
-                  <a:gd name="T2" fmla="*/ 188 w 188"/>
-                  <a:gd name="T3" fmla="*/ 182 h 182"/>
-                  <a:gd name="T4" fmla="*/ 0 w 188"/>
-                  <a:gd name="T5" fmla="*/ 0 h 182"/>
-                  <a:gd name="T6" fmla="*/ 188 w 188"/>
-                  <a:gd name="T7" fmla="*/ 182 h 182"/>
-                </a:gdLst>
-                <a:ahLst/>
-                <a:cxnLst>
-                  <a:cxn ang="0">
-                    <a:pos x="T0" y="T1"/>
-                  </a:cxn>
-                  <a:cxn ang="0">
-                    <a:pos x="T2" y="T3"/>
-                  </a:cxn>
-                  <a:cxn ang="0">
-                    <a:pos x="T4" y="T5"/>
-                  </a:cxn>
-                  <a:cxn ang="0">
-                    <a:pos x="T6" y="T7"/>
-                  </a:cxn>
-                </a:cxnLst>
-                <a:rect l="0" t="0" r="r" b="b"/>
-                <a:pathLst>
-                  <a:path w="188" h="182">
-                    <a:moveTo>
-                      <a:pt x="188" y="182"/>
-                    </a:moveTo>
-                    <a:cubicBezTo>
-                      <a:pt x="188" y="182"/>
-                      <a:pt x="188" y="182"/>
-                      <a:pt x="188" y="182"/>
-                    </a:cubicBezTo>
-                    <a:cubicBezTo>
-                      <a:pt x="157" y="152"/>
-                      <a:pt x="28" y="28"/>
-                      <a:pt x="0" y="0"/>
-                    </a:cubicBezTo>
-                    <a:lnTo>
-                      <a:pt x="188" y="182"/>
-                    </a:lnTo>
-                    <a:close/>
-                  </a:path>
-                </a:pathLst>
-              </a:custGeom>
-              <a:noFill/>
-              <a:ln w="28575" cap="rnd">
-                <a:solidFill>
-                  <a:srgbClr val="7DD5C9"/>
-                </a:solidFill>
-                <a:prstDash val="solid"/>
-                <a:round/>
-                <a:headEnd/>
-                <a:tailEnd/>
-              </a:ln>
-              <a:extLst>
-                <a:ext uri="{909E8E84-426E-40DD-AFC4-6F175D3DCCD1}">
-                  <a14:hiddenFill xmlns:a14="http://schemas.microsoft.com/office/drawing/2010/main">
-                    <a:solidFill>
-                      <a:srgbClr val="FFFFFF"/>
-                    </a:solidFill>
-                  </a14:hiddenFill>
-                </a:ext>
-              </a:extLst>
-            </p:spPr>
-            <p:txBody>
-              <a:bodyPr vert="horz" wrap="square" lIns="91440" tIns="45720" rIns="91440" bIns="45720" numCol="1" anchor="t" anchorCtr="0" compatLnSpc="1">
-                <a:prstTxWarp prst="textNoShape">
-                  <a:avLst/>
-                </a:prstTxWarp>
-              </a:bodyPr>
-              <a:lstStyle/>
-              <a:p>
-                <a:endParaRPr lang="ko-KR" altLang="en-US"/>
-              </a:p>
-            </p:txBody>
-          </p:sp>
-          <p:sp>
-            <p:nvSpPr>
-              <p:cNvPr id="21" name="Freeform 9"/>
-              <p:cNvSpPr>
-                <a:spLocks/>
-              </p:cNvSpPr>
-              <p:nvPr/>
-            </p:nvSpPr>
-            <p:spPr bwMode="auto">
-              <a:xfrm>
-                <a:off x="5887720" y="3817620"/>
-                <a:ext cx="72390" cy="635"/>
-              </a:xfrm>
-              <a:custGeom>
-                <a:avLst/>
-                <a:gdLst>
-                  <a:gd name="T0" fmla="*/ 232 w 232"/>
-                  <a:gd name="T1" fmla="*/ 232 w 232"/>
-                  <a:gd name="T2" fmla="*/ 0 w 232"/>
-                  <a:gd name="T3" fmla="*/ 232 w 232"/>
-                </a:gdLst>
-                <a:ahLst/>
-                <a:cxnLst>
-                  <a:cxn ang="0">
-                    <a:pos x="T0" y="0"/>
-                  </a:cxn>
-                  <a:cxn ang="0">
-                    <a:pos x="T1" y="0"/>
-                  </a:cxn>
-                  <a:cxn ang="0">
-                    <a:pos x="T2" y="0"/>
-                  </a:cxn>
-                  <a:cxn ang="0">
-                    <a:pos x="T3" y="0"/>
-                  </a:cxn>
-                </a:cxnLst>
-                <a:rect l="0" t="0" r="r" b="b"/>
-                <a:pathLst>
-                  <a:path w="232">
-                    <a:moveTo>
-                      <a:pt x="232" y="0"/>
-                    </a:moveTo>
-                    <a:lnTo>
-                      <a:pt x="232" y="0"/>
-                    </a:lnTo>
-                    <a:lnTo>
-                      <a:pt x="0" y="0"/>
-                    </a:lnTo>
-                    <a:lnTo>
-                      <a:pt x="232" y="0"/>
-                    </a:lnTo>
-                    <a:close/>
-                  </a:path>
-                </a:pathLst>
-              </a:custGeom>
-              <a:noFill/>
-              <a:ln w="28575" cap="rnd">
-                <a:solidFill>
-                  <a:srgbClr val="7DD5C9"/>
-                </a:solidFill>
-                <a:prstDash val="solid"/>
-                <a:round/>
-                <a:headEnd/>
-                <a:tailEnd/>
-              </a:ln>
-              <a:extLst>
-                <a:ext uri="{909E8E84-426E-40DD-AFC4-6F175D3DCCD1}">
-                  <a14:hiddenFill xmlns:a14="http://schemas.microsoft.com/office/drawing/2010/main">
-                    <a:solidFill>
-                      <a:srgbClr val="FFFFFF"/>
-                    </a:solidFill>
-                  </a14:hiddenFill>
-                </a:ext>
-              </a:extLst>
-            </p:spPr>
-            <p:txBody>
-              <a:bodyPr vert="horz" wrap="square" lIns="91440" tIns="45720" rIns="91440" bIns="45720" numCol="1" anchor="t" anchorCtr="0" compatLnSpc="1">
-                <a:prstTxWarp prst="textNoShape">
-                  <a:avLst/>
-                </a:prstTxWarp>
-              </a:bodyPr>
-              <a:lstStyle/>
-              <a:p>
-                <a:endParaRPr lang="ko-KR" altLang="en-US"/>
-              </a:p>
-            </p:txBody>
-          </p:sp>
-          <p:sp>
-            <p:nvSpPr>
-              <p:cNvPr id="22" name="Freeform 10"/>
-              <p:cNvSpPr>
-                <a:spLocks/>
-              </p:cNvSpPr>
-              <p:nvPr/>
-            </p:nvSpPr>
-            <p:spPr bwMode="auto">
-              <a:xfrm>
-                <a:off x="5786755" y="3815715"/>
-                <a:ext cx="51435" cy="50165"/>
-              </a:xfrm>
-              <a:custGeom>
-                <a:avLst/>
-                <a:gdLst>
-                  <a:gd name="T0" fmla="*/ 188 w 188"/>
-                  <a:gd name="T1" fmla="*/ 0 h 182"/>
-                  <a:gd name="T2" fmla="*/ 188 w 188"/>
-                  <a:gd name="T3" fmla="*/ 0 h 182"/>
-                  <a:gd name="T4" fmla="*/ 0 w 188"/>
-                  <a:gd name="T5" fmla="*/ 182 h 182"/>
-                  <a:gd name="T6" fmla="*/ 188 w 188"/>
-                  <a:gd name="T7" fmla="*/ 0 h 182"/>
-                </a:gdLst>
-                <a:ahLst/>
-                <a:cxnLst>
-                  <a:cxn ang="0">
-                    <a:pos x="T0" y="T1"/>
-                  </a:cxn>
-                  <a:cxn ang="0">
-                    <a:pos x="T2" y="T3"/>
-                  </a:cxn>
-                  <a:cxn ang="0">
-                    <a:pos x="T4" y="T5"/>
-                  </a:cxn>
-                  <a:cxn ang="0">
-                    <a:pos x="T6" y="T7"/>
-                  </a:cxn>
-                </a:cxnLst>
-                <a:rect l="0" t="0" r="r" b="b"/>
-                <a:pathLst>
-                  <a:path w="188" h="182">
-                    <a:moveTo>
-                      <a:pt x="188" y="0"/>
-                    </a:moveTo>
-                    <a:cubicBezTo>
-                      <a:pt x="188" y="0"/>
-                      <a:pt x="188" y="0"/>
-                      <a:pt x="188" y="0"/>
-                    </a:cubicBezTo>
-                    <a:cubicBezTo>
-                      <a:pt x="157" y="30"/>
-                      <a:pt x="28" y="155"/>
-                      <a:pt x="0" y="182"/>
-                    </a:cubicBezTo>
-                    <a:lnTo>
-                      <a:pt x="188" y="0"/>
-                    </a:lnTo>
-                    <a:close/>
-                  </a:path>
-                </a:pathLst>
-              </a:custGeom>
-              <a:noFill/>
-              <a:ln w="28575" cap="rnd">
-                <a:solidFill>
-                  <a:srgbClr val="7DD5C9"/>
-                </a:solidFill>
-                <a:prstDash val="solid"/>
-                <a:round/>
-                <a:headEnd/>
-                <a:tailEnd/>
-              </a:ln>
-              <a:extLst>
-                <a:ext uri="{909E8E84-426E-40DD-AFC4-6F175D3DCCD1}">
-                  <a14:hiddenFill xmlns:a14="http://schemas.microsoft.com/office/drawing/2010/main">
-                    <a:solidFill>
-                      <a:srgbClr val="FFFFFF"/>
-                    </a:solidFill>
-                  </a14:hiddenFill>
-                </a:ext>
-              </a:extLst>
-            </p:spPr>
-            <p:txBody>
-              <a:bodyPr vert="horz" wrap="square" lIns="91440" tIns="45720" rIns="91440" bIns="45720" numCol="1" anchor="t" anchorCtr="0" compatLnSpc="1">
-                <a:prstTxWarp prst="textNoShape">
-                  <a:avLst/>
-                </a:prstTxWarp>
-              </a:bodyPr>
-              <a:lstStyle/>
-              <a:p>
-                <a:endParaRPr lang="ko-KR" altLang="en-US"/>
-              </a:p>
-            </p:txBody>
-          </p:sp>
-        </p:grpSp>
-      </p:grpSp>
+                <a:latin typeface="맑은 고딕" charset="0"/>
+                <a:ea typeface="맑은 고딕" charset="0"/>
+              </a:rPr>
+              <a:t>Oracle Database</a:t>
+            </a:r>
+            <a:endParaRPr lang="ko-KR" altLang="en-US" sz="2800" cap="none" dirty="0" smtClean="0" b="1">
+              <a:solidFill>
+                <a:srgbClr val="FFFFFF"/>
+              </a:solidFill>
+              <a:latin typeface="맑은 고딕" charset="0"/>
+              <a:ea typeface="맑은 고딕" charset="0"/>
+            </a:endParaRPr>
+          </a:p>
+        </p:txBody>
+      </p:sp>
     </p:spTree>
   </p:cSld>
   <p:clrMapOvr>
